--- a/figs.pptx
+++ b/figs.pptx
@@ -19,8 +19,9 @@
     <p:sldId id="392" r:id="rId13"/>
     <p:sldId id="397" r:id="rId14"/>
     <p:sldId id="257" r:id="rId15"/>
-    <p:sldId id="398" r:id="rId16"/>
-    <p:sldId id="386" r:id="rId17"/>
+    <p:sldId id="400" r:id="rId16"/>
+    <p:sldId id="398" r:id="rId17"/>
+    <p:sldId id="386" r:id="rId18"/>
   </p:sldIdLst>
   <p:sldSz cx="12192000" cy="6858000"/>
   <p:notesSz cx="6858000" cy="9144000"/>
@@ -9298,6 +9299,3488 @@
   <p:cSld>
     <p:spTree>
       <p:nvGrpSpPr>
+        <p:cNvPr id="1" name="">
+          <a:extLst>
+            <a:ext uri="{FF2B5EF4-FFF2-40B4-BE49-F238E27FC236}">
+              <a16:creationId xmlns:a16="http://schemas.microsoft.com/office/drawing/2014/main" id="{806F6E15-CC9C-FF8E-5A08-B5D0A0028FF4}"/>
+            </a:ext>
+          </a:extLst>
+        </p:cNvPr>
+        <p:cNvGrpSpPr/>
+        <p:nvPr/>
+      </p:nvGrpSpPr>
+      <p:grpSpPr>
+        <a:xfrm>
+          <a:off x="0" y="0"/>
+          <a:ext cx="0" cy="0"/>
+          <a:chOff x="0" y="0"/>
+          <a:chExt cx="0" cy="0"/>
+        </a:xfrm>
+      </p:grpSpPr>
+      <p:sp>
+        <p:nvSpPr>
+          <p:cNvPr id="51" name="矩形 50">
+            <a:extLst>
+              <a:ext uri="{FF2B5EF4-FFF2-40B4-BE49-F238E27FC236}">
+                <a16:creationId xmlns:a16="http://schemas.microsoft.com/office/drawing/2014/main" id="{224DCF70-C773-D895-5A79-FC425EBDEB4B}"/>
+              </a:ext>
+            </a:extLst>
+          </p:cNvPr>
+          <p:cNvSpPr/>
+          <p:nvPr/>
+        </p:nvSpPr>
+        <p:spPr>
+          <a:xfrm>
+            <a:off x="345441" y="624666"/>
+            <a:ext cx="7359016" cy="2540445"/>
+          </a:xfrm>
+          <a:prstGeom prst="rect">
+            <a:avLst/>
+          </a:prstGeom>
+          <a:noFill/>
+          <a:ln w="57150">
+            <a:solidFill>
+              <a:schemeClr val="bg1">
+                <a:lumMod val="65000"/>
+              </a:schemeClr>
+            </a:solidFill>
+            <a:prstDash val="dash"/>
+          </a:ln>
+        </p:spPr>
+        <p:style>
+          <a:lnRef idx="2">
+            <a:schemeClr val="accent1">
+              <a:shade val="50000"/>
+            </a:schemeClr>
+          </a:lnRef>
+          <a:fillRef idx="1">
+            <a:schemeClr val="accent1"/>
+          </a:fillRef>
+          <a:effectRef idx="0">
+            <a:schemeClr val="accent1"/>
+          </a:effectRef>
+          <a:fontRef idx="minor">
+            <a:schemeClr val="lt1"/>
+          </a:fontRef>
+        </p:style>
+        <p:txBody>
+          <a:bodyPr rtlCol="0" anchor="ctr"/>
+          <a:lstStyle/>
+          <a:p>
+            <a:pPr algn="ctr"/>
+            <a:endParaRPr kumimoji="1" lang="zh-CN" altLang="en-US"/>
+          </a:p>
+        </p:txBody>
+      </p:sp>
+      <p:sp>
+        <p:nvSpPr>
+          <p:cNvPr id="6" name="文本框 5">
+            <a:extLst>
+              <a:ext uri="{FF2B5EF4-FFF2-40B4-BE49-F238E27FC236}">
+                <a16:creationId xmlns:a16="http://schemas.microsoft.com/office/drawing/2014/main" id="{FED4642D-3787-E26F-C76B-9F962B61112C}"/>
+              </a:ext>
+            </a:extLst>
+          </p:cNvPr>
+          <p:cNvSpPr txBox="1"/>
+          <p:nvPr/>
+        </p:nvSpPr>
+        <p:spPr>
+          <a:xfrm>
+            <a:off x="6869793" y="582051"/>
+            <a:ext cx="792409" cy="382953"/>
+          </a:xfrm>
+          <a:prstGeom prst="rect">
+            <a:avLst/>
+          </a:prstGeom>
+          <a:noFill/>
+        </p:spPr>
+        <p:txBody>
+          <a:bodyPr wrap="square" rtlCol="0">
+            <a:spAutoFit/>
+          </a:bodyPr>
+          <a:lstStyle/>
+          <a:p>
+            <a:pPr algn="ctr"/>
+            <a:r>
+              <a:rPr kumimoji="1" lang="en-US" altLang="zh-CN" b="1" dirty="0">
+                <a:latin typeface="Consolas" panose="020B0609020204030204" pitchFamily="49" charset="0"/>
+                <a:cs typeface="Consolas" panose="020B0609020204030204" pitchFamily="49" charset="0"/>
+              </a:rPr>
+              <a:t>Node</a:t>
+            </a:r>
+            <a:endParaRPr kumimoji="1" lang="zh-CN" altLang="en-US" b="1" dirty="0">
+              <a:latin typeface="Consolas" panose="020B0609020204030204" pitchFamily="49" charset="0"/>
+              <a:cs typeface="Consolas" panose="020B0609020204030204" pitchFamily="49" charset="0"/>
+            </a:endParaRPr>
+          </a:p>
+        </p:txBody>
+      </p:sp>
+      <p:sp>
+        <p:nvSpPr>
+          <p:cNvPr id="11" name="文本框 10">
+            <a:extLst>
+              <a:ext uri="{FF2B5EF4-FFF2-40B4-BE49-F238E27FC236}">
+                <a16:creationId xmlns:a16="http://schemas.microsoft.com/office/drawing/2014/main" id="{96BE12AA-6DF4-7A8C-FD5F-9AAEF8BFADC8}"/>
+              </a:ext>
+            </a:extLst>
+          </p:cNvPr>
+          <p:cNvSpPr txBox="1"/>
+          <p:nvPr/>
+        </p:nvSpPr>
+        <p:spPr>
+          <a:xfrm>
+            <a:off x="3747950" y="6060535"/>
+            <a:ext cx="553998" cy="489857"/>
+          </a:xfrm>
+          <a:prstGeom prst="rect">
+            <a:avLst/>
+          </a:prstGeom>
+          <a:noFill/>
+        </p:spPr>
+        <p:txBody>
+          <a:bodyPr vert="eaVert" wrap="square" rtlCol="0">
+            <a:spAutoFit/>
+          </a:bodyPr>
+          <a:lstStyle/>
+          <a:p>
+            <a:r>
+              <a:rPr kumimoji="1" lang="en-US" altLang="zh-CN" sz="2400" dirty="0">
+                <a:latin typeface="Consolas" panose="020B0609020204030204" pitchFamily="49" charset="0"/>
+                <a:cs typeface="Consolas" panose="020B0609020204030204" pitchFamily="49" charset="0"/>
+              </a:rPr>
+              <a:t>……</a:t>
+            </a:r>
+            <a:endParaRPr kumimoji="1" lang="zh-CN" altLang="en-US" sz="2400" dirty="0">
+              <a:latin typeface="Consolas" panose="020B0609020204030204" pitchFamily="49" charset="0"/>
+              <a:cs typeface="Consolas" panose="020B0609020204030204" pitchFamily="49" charset="0"/>
+            </a:endParaRPr>
+          </a:p>
+        </p:txBody>
+      </p:sp>
+      <p:cxnSp>
+        <p:nvCxnSpPr>
+          <p:cNvPr id="19" name="直线箭头连接符 18">
+            <a:extLst>
+              <a:ext uri="{FF2B5EF4-FFF2-40B4-BE49-F238E27FC236}">
+                <a16:creationId xmlns:a16="http://schemas.microsoft.com/office/drawing/2014/main" id="{326C7753-E94D-D5B0-F9B5-BDA74CD49F99}"/>
+              </a:ext>
+            </a:extLst>
+          </p:cNvPr>
+          <p:cNvCxnSpPr>
+            <a:cxnSpLocks/>
+            <a:stCxn id="5" idx="3"/>
+            <a:endCxn id="3" idx="1"/>
+          </p:cNvCxnSpPr>
+          <p:nvPr/>
+        </p:nvCxnSpPr>
+        <p:spPr>
+          <a:xfrm>
+            <a:off x="1585551" y="1345860"/>
+            <a:ext cx="1803273" cy="420922"/>
+          </a:xfrm>
+          <a:prstGeom prst="straightConnector1">
+            <a:avLst/>
+          </a:prstGeom>
+          <a:ln w="38100">
+            <a:headEnd type="triangle"/>
+            <a:tailEnd type="triangle"/>
+          </a:ln>
+        </p:spPr>
+        <p:style>
+          <a:lnRef idx="3">
+            <a:schemeClr val="dk1"/>
+          </a:lnRef>
+          <a:fillRef idx="0">
+            <a:schemeClr val="dk1"/>
+          </a:fillRef>
+          <a:effectRef idx="2">
+            <a:schemeClr val="dk1"/>
+          </a:effectRef>
+          <a:fontRef idx="minor">
+            <a:schemeClr val="tx1"/>
+          </a:fontRef>
+        </p:style>
+      </p:cxnSp>
+      <p:cxnSp>
+        <p:nvCxnSpPr>
+          <p:cNvPr id="20" name="直线箭头连接符 19">
+            <a:extLst>
+              <a:ext uri="{FF2B5EF4-FFF2-40B4-BE49-F238E27FC236}">
+                <a16:creationId xmlns:a16="http://schemas.microsoft.com/office/drawing/2014/main" id="{E77FA88E-2677-3C38-1B76-4387C9D3BBAF}"/>
+              </a:ext>
+            </a:extLst>
+          </p:cNvPr>
+          <p:cNvCxnSpPr>
+            <a:cxnSpLocks/>
+            <a:stCxn id="57" idx="3"/>
+            <a:endCxn id="3" idx="1"/>
+          </p:cNvCxnSpPr>
+          <p:nvPr/>
+        </p:nvCxnSpPr>
+        <p:spPr>
+          <a:xfrm flipV="1">
+            <a:off x="1585551" y="1766782"/>
+            <a:ext cx="1803273" cy="916284"/>
+          </a:xfrm>
+          <a:prstGeom prst="straightConnector1">
+            <a:avLst/>
+          </a:prstGeom>
+          <a:ln w="38100">
+            <a:headEnd type="triangle"/>
+            <a:tailEnd type="triangle"/>
+          </a:ln>
+        </p:spPr>
+        <p:style>
+          <a:lnRef idx="3">
+            <a:schemeClr val="dk1"/>
+          </a:lnRef>
+          <a:fillRef idx="0">
+            <a:schemeClr val="dk1"/>
+          </a:fillRef>
+          <a:effectRef idx="2">
+            <a:schemeClr val="dk1"/>
+          </a:effectRef>
+          <a:fontRef idx="minor">
+            <a:schemeClr val="tx1"/>
+          </a:fontRef>
+        </p:style>
+      </p:cxnSp>
+      <p:sp>
+        <p:nvSpPr>
+          <p:cNvPr id="103" name="矩形 102">
+            <a:extLst>
+              <a:ext uri="{FF2B5EF4-FFF2-40B4-BE49-F238E27FC236}">
+                <a16:creationId xmlns:a16="http://schemas.microsoft.com/office/drawing/2014/main" id="{178F6BFB-6BF8-AC95-3BA4-FEB8755A62AA}"/>
+              </a:ext>
+            </a:extLst>
+          </p:cNvPr>
+          <p:cNvSpPr/>
+          <p:nvPr/>
+        </p:nvSpPr>
+        <p:spPr>
+          <a:xfrm>
+            <a:off x="8181658" y="2220685"/>
+            <a:ext cx="3781740" cy="2540445"/>
+          </a:xfrm>
+          <a:prstGeom prst="rect">
+            <a:avLst/>
+          </a:prstGeom>
+          <a:noFill/>
+          <a:ln w="57150">
+            <a:solidFill>
+              <a:schemeClr val="bg1">
+                <a:lumMod val="65000"/>
+              </a:schemeClr>
+            </a:solidFill>
+            <a:prstDash val="dash"/>
+          </a:ln>
+        </p:spPr>
+        <p:style>
+          <a:lnRef idx="2">
+            <a:schemeClr val="accent1">
+              <a:shade val="50000"/>
+            </a:schemeClr>
+          </a:lnRef>
+          <a:fillRef idx="1">
+            <a:schemeClr val="accent1"/>
+          </a:fillRef>
+          <a:effectRef idx="0">
+            <a:schemeClr val="accent1"/>
+          </a:effectRef>
+          <a:fontRef idx="minor">
+            <a:schemeClr val="lt1"/>
+          </a:fontRef>
+        </p:style>
+        <p:txBody>
+          <a:bodyPr rtlCol="0" anchor="ctr"/>
+          <a:lstStyle/>
+          <a:p>
+            <a:pPr algn="ctr"/>
+            <a:endParaRPr kumimoji="1" lang="zh-CN" altLang="en-US"/>
+          </a:p>
+        </p:txBody>
+      </p:sp>
+      <p:cxnSp>
+        <p:nvCxnSpPr>
+          <p:cNvPr id="105" name="直线箭头连接符 104">
+            <a:extLst>
+              <a:ext uri="{FF2B5EF4-FFF2-40B4-BE49-F238E27FC236}">
+                <a16:creationId xmlns:a16="http://schemas.microsoft.com/office/drawing/2014/main" id="{BBEE441D-4C97-E836-2D33-081EBEC14988}"/>
+              </a:ext>
+            </a:extLst>
+          </p:cNvPr>
+          <p:cNvCxnSpPr>
+            <a:cxnSpLocks/>
+          </p:cNvCxnSpPr>
+          <p:nvPr/>
+        </p:nvCxnSpPr>
+        <p:spPr>
+          <a:xfrm>
+            <a:off x="9492355" y="3429000"/>
+            <a:ext cx="1057093" cy="0"/>
+          </a:xfrm>
+          <a:prstGeom prst="straightConnector1">
+            <a:avLst/>
+          </a:prstGeom>
+          <a:ln w="38100">
+            <a:headEnd type="triangle"/>
+            <a:tailEnd type="triangle"/>
+          </a:ln>
+        </p:spPr>
+        <p:style>
+          <a:lnRef idx="3">
+            <a:schemeClr val="dk1"/>
+          </a:lnRef>
+          <a:fillRef idx="0">
+            <a:schemeClr val="dk1"/>
+          </a:fillRef>
+          <a:effectRef idx="2">
+            <a:schemeClr val="dk1"/>
+          </a:effectRef>
+          <a:fontRef idx="minor">
+            <a:schemeClr val="tx1"/>
+          </a:fontRef>
+        </p:style>
+      </p:cxnSp>
+      <p:cxnSp>
+        <p:nvCxnSpPr>
+          <p:cNvPr id="45" name="直线箭头连接符 44">
+            <a:extLst>
+              <a:ext uri="{FF2B5EF4-FFF2-40B4-BE49-F238E27FC236}">
+                <a16:creationId xmlns:a16="http://schemas.microsoft.com/office/drawing/2014/main" id="{8673617F-FEB5-BA37-07DE-0C0FBC044E62}"/>
+              </a:ext>
+            </a:extLst>
+          </p:cNvPr>
+          <p:cNvCxnSpPr>
+            <a:cxnSpLocks/>
+          </p:cNvCxnSpPr>
+          <p:nvPr/>
+        </p:nvCxnSpPr>
+        <p:spPr>
+          <a:xfrm>
+            <a:off x="6893901" y="1760803"/>
+            <a:ext cx="1518454" cy="1668197"/>
+          </a:xfrm>
+          <a:prstGeom prst="straightConnector1">
+            <a:avLst/>
+          </a:prstGeom>
+          <a:ln w="38100">
+            <a:headEnd type="triangle"/>
+            <a:tailEnd type="triangle"/>
+          </a:ln>
+        </p:spPr>
+        <p:style>
+          <a:lnRef idx="3">
+            <a:schemeClr val="dk1"/>
+          </a:lnRef>
+          <a:fillRef idx="0">
+            <a:schemeClr val="dk1"/>
+          </a:fillRef>
+          <a:effectRef idx="2">
+            <a:schemeClr val="dk1"/>
+          </a:effectRef>
+          <a:fontRef idx="minor">
+            <a:schemeClr val="tx1"/>
+          </a:fontRef>
+        </p:style>
+      </p:cxnSp>
+      <p:cxnSp>
+        <p:nvCxnSpPr>
+          <p:cNvPr id="48" name="直线箭头连接符 47">
+            <a:extLst>
+              <a:ext uri="{FF2B5EF4-FFF2-40B4-BE49-F238E27FC236}">
+                <a16:creationId xmlns:a16="http://schemas.microsoft.com/office/drawing/2014/main" id="{8E14EAEF-A046-7E1C-0580-B6967466F59A}"/>
+              </a:ext>
+            </a:extLst>
+          </p:cNvPr>
+          <p:cNvCxnSpPr>
+            <a:cxnSpLocks/>
+            <a:stCxn id="3" idx="3"/>
+          </p:cNvCxnSpPr>
+          <p:nvPr/>
+        </p:nvCxnSpPr>
+        <p:spPr>
+          <a:xfrm flipV="1">
+            <a:off x="4468824" y="1760803"/>
+            <a:ext cx="1345077" cy="5979"/>
+          </a:xfrm>
+          <a:prstGeom prst="straightConnector1">
+            <a:avLst/>
+          </a:prstGeom>
+          <a:ln w="38100">
+            <a:headEnd type="triangle"/>
+            <a:tailEnd type="triangle"/>
+          </a:ln>
+        </p:spPr>
+        <p:style>
+          <a:lnRef idx="3">
+            <a:schemeClr val="dk1"/>
+          </a:lnRef>
+          <a:fillRef idx="0">
+            <a:schemeClr val="dk1"/>
+          </a:fillRef>
+          <a:effectRef idx="2">
+            <a:schemeClr val="dk1"/>
+          </a:effectRef>
+          <a:fontRef idx="minor">
+            <a:schemeClr val="tx1"/>
+          </a:fontRef>
+        </p:style>
+      </p:cxnSp>
+      <p:cxnSp>
+        <p:nvCxnSpPr>
+          <p:cNvPr id="80" name="直线箭头连接符 79">
+            <a:extLst>
+              <a:ext uri="{FF2B5EF4-FFF2-40B4-BE49-F238E27FC236}">
+                <a16:creationId xmlns:a16="http://schemas.microsoft.com/office/drawing/2014/main" id="{EDEC78D6-A54F-3E4F-0AAA-31E7619DC4B8}"/>
+              </a:ext>
+            </a:extLst>
+          </p:cNvPr>
+          <p:cNvCxnSpPr>
+            <a:cxnSpLocks/>
+          </p:cNvCxnSpPr>
+          <p:nvPr/>
+        </p:nvCxnSpPr>
+        <p:spPr>
+          <a:xfrm flipV="1">
+            <a:off x="6824247" y="3429000"/>
+            <a:ext cx="1588108" cy="1013348"/>
+          </a:xfrm>
+          <a:prstGeom prst="straightConnector1">
+            <a:avLst/>
+          </a:prstGeom>
+          <a:ln w="38100">
+            <a:headEnd type="triangle"/>
+            <a:tailEnd type="triangle"/>
+          </a:ln>
+        </p:spPr>
+        <p:style>
+          <a:lnRef idx="3">
+            <a:schemeClr val="dk1"/>
+          </a:lnRef>
+          <a:fillRef idx="0">
+            <a:schemeClr val="dk1"/>
+          </a:fillRef>
+          <a:effectRef idx="2">
+            <a:schemeClr val="dk1"/>
+          </a:effectRef>
+          <a:fontRef idx="minor">
+            <a:schemeClr val="tx1"/>
+          </a:fontRef>
+        </p:style>
+      </p:cxnSp>
+      <p:cxnSp>
+        <p:nvCxnSpPr>
+          <p:cNvPr id="84" name="直线箭头连接符 83">
+            <a:extLst>
+              <a:ext uri="{FF2B5EF4-FFF2-40B4-BE49-F238E27FC236}">
+                <a16:creationId xmlns:a16="http://schemas.microsoft.com/office/drawing/2014/main" id="{C1EBE08D-FF62-AF23-4B3D-D4824DA5CBC5}"/>
+              </a:ext>
+            </a:extLst>
+          </p:cNvPr>
+          <p:cNvCxnSpPr>
+            <a:cxnSpLocks/>
+          </p:cNvCxnSpPr>
+          <p:nvPr/>
+        </p:nvCxnSpPr>
+        <p:spPr>
+          <a:xfrm flipV="1">
+            <a:off x="6735090" y="3429000"/>
+            <a:ext cx="1677265" cy="4378283"/>
+          </a:xfrm>
+          <a:prstGeom prst="straightConnector1">
+            <a:avLst/>
+          </a:prstGeom>
+          <a:ln w="38100">
+            <a:headEnd type="triangle"/>
+            <a:tailEnd type="triangle"/>
+          </a:ln>
+        </p:spPr>
+        <p:style>
+          <a:lnRef idx="3">
+            <a:schemeClr val="dk1"/>
+          </a:lnRef>
+          <a:fillRef idx="0">
+            <a:schemeClr val="dk1"/>
+          </a:fillRef>
+          <a:effectRef idx="2">
+            <a:schemeClr val="dk1"/>
+          </a:effectRef>
+          <a:fontRef idx="minor">
+            <a:schemeClr val="tx1"/>
+          </a:fontRef>
+        </p:style>
+      </p:cxnSp>
+      <p:sp>
+        <p:nvSpPr>
+          <p:cNvPr id="16" name="文本框 5">
+            <a:extLst>
+              <a:ext uri="{FF2B5EF4-FFF2-40B4-BE49-F238E27FC236}">
+                <a16:creationId xmlns:a16="http://schemas.microsoft.com/office/drawing/2014/main" id="{F0038AE0-EC28-FE2D-8072-A38354D5EAD9}"/>
+              </a:ext>
+            </a:extLst>
+          </p:cNvPr>
+          <p:cNvSpPr txBox="1"/>
+          <p:nvPr/>
+        </p:nvSpPr>
+        <p:spPr>
+          <a:xfrm>
+            <a:off x="11170989" y="2221427"/>
+            <a:ext cx="792409" cy="382953"/>
+          </a:xfrm>
+          <a:prstGeom prst="rect">
+            <a:avLst/>
+          </a:prstGeom>
+          <a:noFill/>
+        </p:spPr>
+        <p:txBody>
+          <a:bodyPr wrap="square" rtlCol="0">
+            <a:spAutoFit/>
+          </a:bodyPr>
+          <a:lstStyle/>
+          <a:p>
+            <a:pPr algn="ctr"/>
+            <a:r>
+              <a:rPr kumimoji="1" lang="en-US" altLang="zh-CN" b="1" dirty="0">
+                <a:latin typeface="Consolas" panose="020B0609020204030204" pitchFamily="49" charset="0"/>
+                <a:cs typeface="Consolas" panose="020B0609020204030204" pitchFamily="49" charset="0"/>
+              </a:rPr>
+              <a:t>Node</a:t>
+            </a:r>
+            <a:endParaRPr kumimoji="1" lang="zh-CN" altLang="en-US" b="1" dirty="0">
+              <a:latin typeface="Consolas" panose="020B0609020204030204" pitchFamily="49" charset="0"/>
+              <a:cs typeface="Consolas" panose="020B0609020204030204" pitchFamily="49" charset="0"/>
+            </a:endParaRPr>
+          </a:p>
+        </p:txBody>
+      </p:sp>
+      <p:grpSp>
+        <p:nvGrpSpPr>
+          <p:cNvPr id="27" name="Group 26">
+            <a:extLst>
+              <a:ext uri="{FF2B5EF4-FFF2-40B4-BE49-F238E27FC236}">
+                <a16:creationId xmlns:a16="http://schemas.microsoft.com/office/drawing/2014/main" id="{C253AE34-690A-4CB6-5539-B0AFA908DAB2}"/>
+              </a:ext>
+            </a:extLst>
+          </p:cNvPr>
+          <p:cNvGrpSpPr/>
+          <p:nvPr/>
+        </p:nvGrpSpPr>
+        <p:grpSpPr>
+          <a:xfrm>
+            <a:off x="497840" y="723653"/>
+            <a:ext cx="1656079" cy="966490"/>
+            <a:chOff x="497840" y="723653"/>
+            <a:chExt cx="1656079" cy="966490"/>
+          </a:xfrm>
+        </p:grpSpPr>
+        <p:pic>
+          <p:nvPicPr>
+            <p:cNvPr id="5" name="图片 4">
+              <a:extLst>
+                <a:ext uri="{FF2B5EF4-FFF2-40B4-BE49-F238E27FC236}">
+                  <a16:creationId xmlns:a16="http://schemas.microsoft.com/office/drawing/2014/main" id="{3DF3DA4F-67E6-45B5-6847-883D1881E9A1}"/>
+                </a:ext>
+              </a:extLst>
+            </p:cNvPr>
+            <p:cNvPicPr>
+              <a:picLocks noChangeAspect="1"/>
+            </p:cNvPicPr>
+            <p:nvPr/>
+          </p:nvPicPr>
+          <p:blipFill>
+            <a:blip r:embed="rId2"/>
+            <a:srcRect/>
+            <a:stretch/>
+          </p:blipFill>
+          <p:spPr>
+            <a:xfrm>
+              <a:off x="981119" y="1043644"/>
+              <a:ext cx="604432" cy="604432"/>
+            </a:xfrm>
+            <a:prstGeom prst="rect">
+              <a:avLst/>
+            </a:prstGeom>
+          </p:spPr>
+        </p:pic>
+        <p:sp>
+          <p:nvSpPr>
+            <p:cNvPr id="18" name="矩形 50">
+              <a:extLst>
+                <a:ext uri="{FF2B5EF4-FFF2-40B4-BE49-F238E27FC236}">
+                  <a16:creationId xmlns:a16="http://schemas.microsoft.com/office/drawing/2014/main" id="{F4C14695-6134-3F18-6C46-C375266FE2F5}"/>
+                </a:ext>
+              </a:extLst>
+            </p:cNvPr>
+            <p:cNvSpPr/>
+            <p:nvPr/>
+          </p:nvSpPr>
+          <p:spPr>
+            <a:xfrm>
+              <a:off x="497840" y="777067"/>
+              <a:ext cx="1656079" cy="913076"/>
+            </a:xfrm>
+            <a:prstGeom prst="rect">
+              <a:avLst/>
+            </a:prstGeom>
+            <a:noFill/>
+            <a:ln w="57150">
+              <a:solidFill>
+                <a:schemeClr val="bg1">
+                  <a:lumMod val="65000"/>
+                </a:schemeClr>
+              </a:solidFill>
+              <a:prstDash val="sysDot"/>
+            </a:ln>
+          </p:spPr>
+          <p:style>
+            <a:lnRef idx="2">
+              <a:schemeClr val="accent1">
+                <a:shade val="50000"/>
+              </a:schemeClr>
+            </a:lnRef>
+            <a:fillRef idx="1">
+              <a:schemeClr val="accent1"/>
+            </a:fillRef>
+            <a:effectRef idx="0">
+              <a:schemeClr val="accent1"/>
+            </a:effectRef>
+            <a:fontRef idx="minor">
+              <a:schemeClr val="lt1"/>
+            </a:fontRef>
+          </p:style>
+          <p:txBody>
+            <a:bodyPr rtlCol="0" anchor="ctr"/>
+            <a:lstStyle/>
+            <a:p>
+              <a:pPr algn="ctr"/>
+              <a:endParaRPr kumimoji="1" lang="zh-CN" altLang="en-US"/>
+            </a:p>
+          </p:txBody>
+        </p:sp>
+        <p:sp>
+          <p:nvSpPr>
+            <p:cNvPr id="21" name="文本框 5">
+              <a:extLst>
+                <a:ext uri="{FF2B5EF4-FFF2-40B4-BE49-F238E27FC236}">
+                  <a16:creationId xmlns:a16="http://schemas.microsoft.com/office/drawing/2014/main" id="{FCE7F81E-A2C6-143A-54B0-9960690697F9}"/>
+                </a:ext>
+              </a:extLst>
+            </p:cNvPr>
+            <p:cNvSpPr txBox="1"/>
+            <p:nvPr/>
+          </p:nvSpPr>
+          <p:spPr>
+            <a:xfrm>
+              <a:off x="507402" y="723653"/>
+              <a:ext cx="1557360" cy="369332"/>
+            </a:xfrm>
+            <a:prstGeom prst="rect">
+              <a:avLst/>
+            </a:prstGeom>
+            <a:noFill/>
+          </p:spPr>
+          <p:txBody>
+            <a:bodyPr wrap="square" rtlCol="0">
+              <a:spAutoFit/>
+            </a:bodyPr>
+            <a:lstStyle/>
+            <a:p>
+              <a:pPr algn="ctr"/>
+              <a:r>
+                <a:rPr kumimoji="1" lang="en-US" altLang="zh-CN" b="1" dirty="0">
+                  <a:latin typeface="Consolas" panose="020B0609020204030204" pitchFamily="49" charset="0"/>
+                  <a:cs typeface="Consolas" panose="020B0609020204030204" pitchFamily="49" charset="0"/>
+                </a:rPr>
+                <a:t>Sensor</a:t>
+              </a:r>
+              <a:r>
+                <a:rPr kumimoji="1" lang="ja-JP" altLang="en-US" b="1">
+                  <a:latin typeface="Consolas" panose="020B0609020204030204" pitchFamily="49" charset="0"/>
+                  <a:cs typeface="Consolas" panose="020B0609020204030204" pitchFamily="49" charset="0"/>
+                </a:rPr>
+                <a:t> </a:t>
+              </a:r>
+              <a:r>
+                <a:rPr kumimoji="1" lang="en-US" altLang="zh-CN" b="1" dirty="0">
+                  <a:latin typeface="Consolas" panose="020B0609020204030204" pitchFamily="49" charset="0"/>
+                  <a:cs typeface="Consolas" panose="020B0609020204030204" pitchFamily="49" charset="0"/>
+                </a:rPr>
+                <a:t>Pod</a:t>
+              </a:r>
+              <a:endParaRPr kumimoji="1" lang="zh-CN" altLang="en-US" b="1" dirty="0">
+                <a:latin typeface="Consolas" panose="020B0609020204030204" pitchFamily="49" charset="0"/>
+                <a:cs typeface="Consolas" panose="020B0609020204030204" pitchFamily="49" charset="0"/>
+              </a:endParaRPr>
+            </a:p>
+          </p:txBody>
+        </p:sp>
+      </p:grpSp>
+      <p:grpSp>
+        <p:nvGrpSpPr>
+          <p:cNvPr id="53" name="Group 52">
+            <a:extLst>
+              <a:ext uri="{FF2B5EF4-FFF2-40B4-BE49-F238E27FC236}">
+                <a16:creationId xmlns:a16="http://schemas.microsoft.com/office/drawing/2014/main" id="{E9B10587-4C68-1310-791C-2F36B76F8F5E}"/>
+              </a:ext>
+            </a:extLst>
+          </p:cNvPr>
+          <p:cNvGrpSpPr/>
+          <p:nvPr/>
+        </p:nvGrpSpPr>
+        <p:grpSpPr>
+          <a:xfrm>
+            <a:off x="497840" y="2060859"/>
+            <a:ext cx="1656079" cy="966490"/>
+            <a:chOff x="497840" y="723653"/>
+            <a:chExt cx="1656079" cy="966490"/>
+          </a:xfrm>
+        </p:grpSpPr>
+        <p:pic>
+          <p:nvPicPr>
+            <p:cNvPr id="57" name="图片 4">
+              <a:extLst>
+                <a:ext uri="{FF2B5EF4-FFF2-40B4-BE49-F238E27FC236}">
+                  <a16:creationId xmlns:a16="http://schemas.microsoft.com/office/drawing/2014/main" id="{88836238-20EE-5EF1-692E-8D83A5BDE471}"/>
+                </a:ext>
+              </a:extLst>
+            </p:cNvPr>
+            <p:cNvPicPr>
+              <a:picLocks noChangeAspect="1"/>
+            </p:cNvPicPr>
+            <p:nvPr/>
+          </p:nvPicPr>
+          <p:blipFill>
+            <a:blip r:embed="rId2"/>
+            <a:srcRect/>
+            <a:stretch/>
+          </p:blipFill>
+          <p:spPr>
+            <a:xfrm>
+              <a:off x="981119" y="1043644"/>
+              <a:ext cx="604432" cy="604432"/>
+            </a:xfrm>
+            <a:prstGeom prst="rect">
+              <a:avLst/>
+            </a:prstGeom>
+          </p:spPr>
+        </p:pic>
+        <p:sp>
+          <p:nvSpPr>
+            <p:cNvPr id="60" name="矩形 50">
+              <a:extLst>
+                <a:ext uri="{FF2B5EF4-FFF2-40B4-BE49-F238E27FC236}">
+                  <a16:creationId xmlns:a16="http://schemas.microsoft.com/office/drawing/2014/main" id="{CB394BB5-8F84-E839-B49D-F69AF57DFEF6}"/>
+                </a:ext>
+              </a:extLst>
+            </p:cNvPr>
+            <p:cNvSpPr/>
+            <p:nvPr/>
+          </p:nvSpPr>
+          <p:spPr>
+            <a:xfrm>
+              <a:off x="497840" y="777067"/>
+              <a:ext cx="1656079" cy="913076"/>
+            </a:xfrm>
+            <a:prstGeom prst="rect">
+              <a:avLst/>
+            </a:prstGeom>
+            <a:noFill/>
+            <a:ln w="57150">
+              <a:solidFill>
+                <a:schemeClr val="bg1">
+                  <a:lumMod val="65000"/>
+                </a:schemeClr>
+              </a:solidFill>
+              <a:prstDash val="sysDot"/>
+            </a:ln>
+          </p:spPr>
+          <p:style>
+            <a:lnRef idx="2">
+              <a:schemeClr val="accent1">
+                <a:shade val="50000"/>
+              </a:schemeClr>
+            </a:lnRef>
+            <a:fillRef idx="1">
+              <a:schemeClr val="accent1"/>
+            </a:fillRef>
+            <a:effectRef idx="0">
+              <a:schemeClr val="accent1"/>
+            </a:effectRef>
+            <a:fontRef idx="minor">
+              <a:schemeClr val="lt1"/>
+            </a:fontRef>
+          </p:style>
+          <p:txBody>
+            <a:bodyPr rtlCol="0" anchor="ctr"/>
+            <a:lstStyle/>
+            <a:p>
+              <a:pPr algn="ctr"/>
+              <a:endParaRPr kumimoji="1" lang="zh-CN" altLang="en-US"/>
+            </a:p>
+          </p:txBody>
+        </p:sp>
+        <p:sp>
+          <p:nvSpPr>
+            <p:cNvPr id="61" name="文本框 5">
+              <a:extLst>
+                <a:ext uri="{FF2B5EF4-FFF2-40B4-BE49-F238E27FC236}">
+                  <a16:creationId xmlns:a16="http://schemas.microsoft.com/office/drawing/2014/main" id="{3CF28550-E7B0-381C-7AF0-8548DAB014B8}"/>
+                </a:ext>
+              </a:extLst>
+            </p:cNvPr>
+            <p:cNvSpPr txBox="1"/>
+            <p:nvPr/>
+          </p:nvSpPr>
+          <p:spPr>
+            <a:xfrm>
+              <a:off x="507402" y="723653"/>
+              <a:ext cx="1557360" cy="369332"/>
+            </a:xfrm>
+            <a:prstGeom prst="rect">
+              <a:avLst/>
+            </a:prstGeom>
+            <a:noFill/>
+          </p:spPr>
+          <p:txBody>
+            <a:bodyPr wrap="square" rtlCol="0">
+              <a:spAutoFit/>
+            </a:bodyPr>
+            <a:lstStyle/>
+            <a:p>
+              <a:pPr algn="ctr"/>
+              <a:r>
+                <a:rPr kumimoji="1" lang="en-US" altLang="zh-CN" b="1" dirty="0">
+                  <a:latin typeface="Consolas" panose="020B0609020204030204" pitchFamily="49" charset="0"/>
+                  <a:cs typeface="Consolas" panose="020B0609020204030204" pitchFamily="49" charset="0"/>
+                </a:rPr>
+                <a:t>Sensor</a:t>
+              </a:r>
+              <a:r>
+                <a:rPr kumimoji="1" lang="ja-JP" altLang="en-US" b="1">
+                  <a:latin typeface="Consolas" panose="020B0609020204030204" pitchFamily="49" charset="0"/>
+                  <a:cs typeface="Consolas" panose="020B0609020204030204" pitchFamily="49" charset="0"/>
+                </a:rPr>
+                <a:t> </a:t>
+              </a:r>
+              <a:r>
+                <a:rPr kumimoji="1" lang="en-US" altLang="zh-CN" b="1" dirty="0">
+                  <a:latin typeface="Consolas" panose="020B0609020204030204" pitchFamily="49" charset="0"/>
+                  <a:cs typeface="Consolas" panose="020B0609020204030204" pitchFamily="49" charset="0"/>
+                </a:rPr>
+                <a:t>Pod</a:t>
+              </a:r>
+              <a:endParaRPr kumimoji="1" lang="zh-CN" altLang="en-US" b="1" dirty="0">
+                <a:latin typeface="Consolas" panose="020B0609020204030204" pitchFamily="49" charset="0"/>
+                <a:cs typeface="Consolas" panose="020B0609020204030204" pitchFamily="49" charset="0"/>
+              </a:endParaRPr>
+            </a:p>
+          </p:txBody>
+        </p:sp>
+      </p:grpSp>
+      <p:grpSp>
+        <p:nvGrpSpPr>
+          <p:cNvPr id="62" name="Group 61">
+            <a:extLst>
+              <a:ext uri="{FF2B5EF4-FFF2-40B4-BE49-F238E27FC236}">
+                <a16:creationId xmlns:a16="http://schemas.microsoft.com/office/drawing/2014/main" id="{290BF5B7-4D78-D04D-C528-D1D188E83085}"/>
+              </a:ext>
+            </a:extLst>
+          </p:cNvPr>
+          <p:cNvGrpSpPr/>
+          <p:nvPr/>
+        </p:nvGrpSpPr>
+        <p:grpSpPr>
+          <a:xfrm>
+            <a:off x="5537138" y="1164831"/>
+            <a:ext cx="1656079" cy="966490"/>
+            <a:chOff x="497840" y="723653"/>
+            <a:chExt cx="1656079" cy="966490"/>
+          </a:xfrm>
+        </p:grpSpPr>
+        <p:pic>
+          <p:nvPicPr>
+            <p:cNvPr id="63" name="图片 4">
+              <a:extLst>
+                <a:ext uri="{FF2B5EF4-FFF2-40B4-BE49-F238E27FC236}">
+                  <a16:creationId xmlns:a16="http://schemas.microsoft.com/office/drawing/2014/main" id="{057CFC6E-7CEB-E79D-298C-7E678F67C184}"/>
+                </a:ext>
+              </a:extLst>
+            </p:cNvPr>
+            <p:cNvPicPr>
+              <a:picLocks noChangeAspect="1"/>
+            </p:cNvPicPr>
+            <p:nvPr/>
+          </p:nvPicPr>
+          <p:blipFill>
+            <a:blip r:embed="rId2"/>
+            <a:srcRect/>
+            <a:stretch/>
+          </p:blipFill>
+          <p:spPr>
+            <a:xfrm>
+              <a:off x="981119" y="1043644"/>
+              <a:ext cx="604432" cy="604432"/>
+            </a:xfrm>
+            <a:prstGeom prst="rect">
+              <a:avLst/>
+            </a:prstGeom>
+          </p:spPr>
+        </p:pic>
+        <p:sp>
+          <p:nvSpPr>
+            <p:cNvPr id="64" name="矩形 50">
+              <a:extLst>
+                <a:ext uri="{FF2B5EF4-FFF2-40B4-BE49-F238E27FC236}">
+                  <a16:creationId xmlns:a16="http://schemas.microsoft.com/office/drawing/2014/main" id="{B9DB7F28-81E1-4962-5801-6B2741774EA4}"/>
+                </a:ext>
+              </a:extLst>
+            </p:cNvPr>
+            <p:cNvSpPr/>
+            <p:nvPr/>
+          </p:nvSpPr>
+          <p:spPr>
+            <a:xfrm>
+              <a:off x="497840" y="777067"/>
+              <a:ext cx="1656079" cy="913076"/>
+            </a:xfrm>
+            <a:prstGeom prst="rect">
+              <a:avLst/>
+            </a:prstGeom>
+            <a:noFill/>
+            <a:ln w="57150">
+              <a:solidFill>
+                <a:schemeClr val="bg1">
+                  <a:lumMod val="65000"/>
+                </a:schemeClr>
+              </a:solidFill>
+              <a:prstDash val="sysDot"/>
+            </a:ln>
+          </p:spPr>
+          <p:style>
+            <a:lnRef idx="2">
+              <a:schemeClr val="accent1">
+                <a:shade val="50000"/>
+              </a:schemeClr>
+            </a:lnRef>
+            <a:fillRef idx="1">
+              <a:schemeClr val="accent1"/>
+            </a:fillRef>
+            <a:effectRef idx="0">
+              <a:schemeClr val="accent1"/>
+            </a:effectRef>
+            <a:fontRef idx="minor">
+              <a:schemeClr val="lt1"/>
+            </a:fontRef>
+          </p:style>
+          <p:txBody>
+            <a:bodyPr rtlCol="0" anchor="ctr"/>
+            <a:lstStyle/>
+            <a:p>
+              <a:pPr algn="ctr"/>
+              <a:endParaRPr kumimoji="1" lang="zh-CN" altLang="en-US"/>
+            </a:p>
+          </p:txBody>
+        </p:sp>
+        <p:sp>
+          <p:nvSpPr>
+            <p:cNvPr id="66" name="文本框 5">
+              <a:extLst>
+                <a:ext uri="{FF2B5EF4-FFF2-40B4-BE49-F238E27FC236}">
+                  <a16:creationId xmlns:a16="http://schemas.microsoft.com/office/drawing/2014/main" id="{20D6A7B0-26FB-FA54-C276-3D59571FFF4D}"/>
+                </a:ext>
+              </a:extLst>
+            </p:cNvPr>
+            <p:cNvSpPr txBox="1"/>
+            <p:nvPr/>
+          </p:nvSpPr>
+          <p:spPr>
+            <a:xfrm>
+              <a:off x="507402" y="723653"/>
+              <a:ext cx="1557360" cy="369332"/>
+            </a:xfrm>
+            <a:prstGeom prst="rect">
+              <a:avLst/>
+            </a:prstGeom>
+            <a:noFill/>
+          </p:spPr>
+          <p:txBody>
+            <a:bodyPr wrap="square" rtlCol="0">
+              <a:spAutoFit/>
+            </a:bodyPr>
+            <a:lstStyle/>
+            <a:p>
+              <a:pPr algn="ctr"/>
+              <a:r>
+                <a:rPr kumimoji="1" lang="en-US" altLang="ja-JP" b="1" dirty="0">
+                  <a:latin typeface="Consolas" panose="020B0609020204030204" pitchFamily="49" charset="0"/>
+                  <a:cs typeface="Consolas" panose="020B0609020204030204" pitchFamily="49" charset="0"/>
+                </a:rPr>
+                <a:t>Relay</a:t>
+              </a:r>
+              <a:r>
+                <a:rPr kumimoji="1" lang="ja-JP" altLang="en-US" b="1">
+                  <a:latin typeface="Consolas" panose="020B0609020204030204" pitchFamily="49" charset="0"/>
+                  <a:cs typeface="Consolas" panose="020B0609020204030204" pitchFamily="49" charset="0"/>
+                </a:rPr>
+                <a:t> </a:t>
+              </a:r>
+              <a:r>
+                <a:rPr kumimoji="1" lang="en-US" altLang="zh-CN" b="1" dirty="0">
+                  <a:latin typeface="Consolas" panose="020B0609020204030204" pitchFamily="49" charset="0"/>
+                  <a:cs typeface="Consolas" panose="020B0609020204030204" pitchFamily="49" charset="0"/>
+                </a:rPr>
+                <a:t>Pod</a:t>
+              </a:r>
+              <a:endParaRPr kumimoji="1" lang="zh-CN" altLang="en-US" b="1" dirty="0">
+                <a:latin typeface="Consolas" panose="020B0609020204030204" pitchFamily="49" charset="0"/>
+                <a:cs typeface="Consolas" panose="020B0609020204030204" pitchFamily="49" charset="0"/>
+              </a:endParaRPr>
+            </a:p>
+          </p:txBody>
+        </p:sp>
+      </p:grpSp>
+      <p:grpSp>
+        <p:nvGrpSpPr>
+          <p:cNvPr id="73" name="Group 72">
+            <a:extLst>
+              <a:ext uri="{FF2B5EF4-FFF2-40B4-BE49-F238E27FC236}">
+                <a16:creationId xmlns:a16="http://schemas.microsoft.com/office/drawing/2014/main" id="{C250009B-6A7C-6A33-8E91-81D0560CC5F4}"/>
+              </a:ext>
+            </a:extLst>
+          </p:cNvPr>
+          <p:cNvGrpSpPr/>
+          <p:nvPr/>
+        </p:nvGrpSpPr>
+        <p:grpSpPr>
+          <a:xfrm>
+            <a:off x="3131407" y="925484"/>
+            <a:ext cx="1656079" cy="1511003"/>
+            <a:chOff x="3131407" y="925484"/>
+            <a:chExt cx="1656079" cy="1511003"/>
+          </a:xfrm>
+        </p:grpSpPr>
+        <p:pic>
+          <p:nvPicPr>
+            <p:cNvPr id="3" name="图片 2">
+              <a:extLst>
+                <a:ext uri="{FF2B5EF4-FFF2-40B4-BE49-F238E27FC236}">
+                  <a16:creationId xmlns:a16="http://schemas.microsoft.com/office/drawing/2014/main" id="{3E2B7477-830E-5788-5405-4C8286CA3A36}"/>
+                </a:ext>
+              </a:extLst>
+            </p:cNvPr>
+            <p:cNvPicPr>
+              <a:picLocks noChangeAspect="1"/>
+            </p:cNvPicPr>
+            <p:nvPr/>
+          </p:nvPicPr>
+          <p:blipFill>
+            <a:blip r:embed="rId3"/>
+            <a:srcRect/>
+            <a:stretch/>
+          </p:blipFill>
+          <p:spPr>
+            <a:xfrm>
+              <a:off x="3388824" y="1226782"/>
+              <a:ext cx="1080000" cy="1080000"/>
+            </a:xfrm>
+            <a:prstGeom prst="rect">
+              <a:avLst/>
+            </a:prstGeom>
+          </p:spPr>
+        </p:pic>
+        <p:sp>
+          <p:nvSpPr>
+            <p:cNvPr id="70" name="矩形 50">
+              <a:extLst>
+                <a:ext uri="{FF2B5EF4-FFF2-40B4-BE49-F238E27FC236}">
+                  <a16:creationId xmlns:a16="http://schemas.microsoft.com/office/drawing/2014/main" id="{BBAEC0FB-8654-C197-B65A-82C2AE1101C8}"/>
+                </a:ext>
+              </a:extLst>
+            </p:cNvPr>
+            <p:cNvSpPr/>
+            <p:nvPr/>
+          </p:nvSpPr>
+          <p:spPr>
+            <a:xfrm>
+              <a:off x="3131407" y="925484"/>
+              <a:ext cx="1656079" cy="1511003"/>
+            </a:xfrm>
+            <a:prstGeom prst="rect">
+              <a:avLst/>
+            </a:prstGeom>
+            <a:noFill/>
+            <a:ln w="57150">
+              <a:solidFill>
+                <a:schemeClr val="bg1">
+                  <a:lumMod val="65000"/>
+                </a:schemeClr>
+              </a:solidFill>
+              <a:prstDash val="sysDot"/>
+            </a:ln>
+          </p:spPr>
+          <p:style>
+            <a:lnRef idx="2">
+              <a:schemeClr val="accent1">
+                <a:shade val="50000"/>
+              </a:schemeClr>
+            </a:lnRef>
+            <a:fillRef idx="1">
+              <a:schemeClr val="accent1"/>
+            </a:fillRef>
+            <a:effectRef idx="0">
+              <a:schemeClr val="accent1"/>
+            </a:effectRef>
+            <a:fontRef idx="minor">
+              <a:schemeClr val="lt1"/>
+            </a:fontRef>
+          </p:style>
+          <p:txBody>
+            <a:bodyPr rtlCol="0" anchor="ctr"/>
+            <a:lstStyle/>
+            <a:p>
+              <a:pPr algn="ctr"/>
+              <a:endParaRPr kumimoji="1" lang="zh-CN" altLang="en-US"/>
+            </a:p>
+          </p:txBody>
+        </p:sp>
+        <p:sp>
+          <p:nvSpPr>
+            <p:cNvPr id="71" name="文本框 5">
+              <a:extLst>
+                <a:ext uri="{FF2B5EF4-FFF2-40B4-BE49-F238E27FC236}">
+                  <a16:creationId xmlns:a16="http://schemas.microsoft.com/office/drawing/2014/main" id="{EDE173D0-7B69-CD5D-7F5B-1C175B7734C5}"/>
+                </a:ext>
+              </a:extLst>
+            </p:cNvPr>
+            <p:cNvSpPr txBox="1"/>
+            <p:nvPr/>
+          </p:nvSpPr>
+          <p:spPr>
+            <a:xfrm>
+              <a:off x="3131407" y="933626"/>
+              <a:ext cx="1611151" cy="369332"/>
+            </a:xfrm>
+            <a:prstGeom prst="rect">
+              <a:avLst/>
+            </a:prstGeom>
+            <a:noFill/>
+          </p:spPr>
+          <p:txBody>
+            <a:bodyPr wrap="square" rtlCol="0">
+              <a:spAutoFit/>
+            </a:bodyPr>
+            <a:lstStyle/>
+            <a:p>
+              <a:pPr algn="ctr"/>
+              <a:r>
+                <a:rPr kumimoji="1" lang="en-US" altLang="ja-JP" b="1" dirty="0">
+                  <a:latin typeface="Consolas" panose="020B0609020204030204" pitchFamily="49" charset="0"/>
+                  <a:cs typeface="Consolas" panose="020B0609020204030204" pitchFamily="49" charset="0"/>
+                </a:rPr>
+                <a:t>Edge Broker</a:t>
+              </a:r>
+              <a:endParaRPr kumimoji="1" lang="zh-CN" altLang="en-US" b="1" dirty="0">
+                <a:latin typeface="Consolas" panose="020B0609020204030204" pitchFamily="49" charset="0"/>
+                <a:cs typeface="Consolas" panose="020B0609020204030204" pitchFamily="49" charset="0"/>
+              </a:endParaRPr>
+            </a:p>
+          </p:txBody>
+        </p:sp>
+      </p:grpSp>
+      <p:grpSp>
+        <p:nvGrpSpPr>
+          <p:cNvPr id="74" name="Group 73">
+            <a:extLst>
+              <a:ext uri="{FF2B5EF4-FFF2-40B4-BE49-F238E27FC236}">
+                <a16:creationId xmlns:a16="http://schemas.microsoft.com/office/drawing/2014/main" id="{8767EDF2-FC33-3855-F6D9-2C3999904C37}"/>
+              </a:ext>
+            </a:extLst>
+          </p:cNvPr>
+          <p:cNvGrpSpPr/>
+          <p:nvPr/>
+        </p:nvGrpSpPr>
+        <p:grpSpPr>
+          <a:xfrm>
+            <a:off x="8255734" y="2731518"/>
+            <a:ext cx="1656079" cy="1511003"/>
+            <a:chOff x="3131407" y="925484"/>
+            <a:chExt cx="1656079" cy="1511003"/>
+          </a:xfrm>
+        </p:grpSpPr>
+        <p:pic>
+          <p:nvPicPr>
+            <p:cNvPr id="78" name="图片 2">
+              <a:extLst>
+                <a:ext uri="{FF2B5EF4-FFF2-40B4-BE49-F238E27FC236}">
+                  <a16:creationId xmlns:a16="http://schemas.microsoft.com/office/drawing/2014/main" id="{EC40C87D-FADB-7BBD-3BFF-AD7FA6AC76AF}"/>
+                </a:ext>
+              </a:extLst>
+            </p:cNvPr>
+            <p:cNvPicPr>
+              <a:picLocks noChangeAspect="1"/>
+            </p:cNvPicPr>
+            <p:nvPr/>
+          </p:nvPicPr>
+          <p:blipFill>
+            <a:blip r:embed="rId3"/>
+            <a:srcRect/>
+            <a:stretch/>
+          </p:blipFill>
+          <p:spPr>
+            <a:xfrm>
+              <a:off x="3388824" y="1226782"/>
+              <a:ext cx="1080000" cy="1080000"/>
+            </a:xfrm>
+            <a:prstGeom prst="rect">
+              <a:avLst/>
+            </a:prstGeom>
+          </p:spPr>
+        </p:pic>
+        <p:sp>
+          <p:nvSpPr>
+            <p:cNvPr id="79" name="矩形 50">
+              <a:extLst>
+                <a:ext uri="{FF2B5EF4-FFF2-40B4-BE49-F238E27FC236}">
+                  <a16:creationId xmlns:a16="http://schemas.microsoft.com/office/drawing/2014/main" id="{E2C0D658-F1BA-F8FF-DBFE-2C0C137A5EF5}"/>
+                </a:ext>
+              </a:extLst>
+            </p:cNvPr>
+            <p:cNvSpPr/>
+            <p:nvPr/>
+          </p:nvSpPr>
+          <p:spPr>
+            <a:xfrm>
+              <a:off x="3131407" y="925484"/>
+              <a:ext cx="1656079" cy="1511003"/>
+            </a:xfrm>
+            <a:prstGeom prst="rect">
+              <a:avLst/>
+            </a:prstGeom>
+            <a:noFill/>
+            <a:ln w="57150">
+              <a:solidFill>
+                <a:schemeClr val="bg1">
+                  <a:lumMod val="65000"/>
+                </a:schemeClr>
+              </a:solidFill>
+              <a:prstDash val="sysDot"/>
+            </a:ln>
+          </p:spPr>
+          <p:style>
+            <a:lnRef idx="2">
+              <a:schemeClr val="accent1">
+                <a:shade val="50000"/>
+              </a:schemeClr>
+            </a:lnRef>
+            <a:fillRef idx="1">
+              <a:schemeClr val="accent1"/>
+            </a:fillRef>
+            <a:effectRef idx="0">
+              <a:schemeClr val="accent1"/>
+            </a:effectRef>
+            <a:fontRef idx="minor">
+              <a:schemeClr val="lt1"/>
+            </a:fontRef>
+          </p:style>
+          <p:txBody>
+            <a:bodyPr rtlCol="0" anchor="ctr"/>
+            <a:lstStyle/>
+            <a:p>
+              <a:pPr algn="ctr"/>
+              <a:endParaRPr kumimoji="1" lang="zh-CN" altLang="en-US"/>
+            </a:p>
+          </p:txBody>
+        </p:sp>
+        <p:sp>
+          <p:nvSpPr>
+            <p:cNvPr id="81" name="文本框 5">
+              <a:extLst>
+                <a:ext uri="{FF2B5EF4-FFF2-40B4-BE49-F238E27FC236}">
+                  <a16:creationId xmlns:a16="http://schemas.microsoft.com/office/drawing/2014/main" id="{A0075E5F-F906-7505-0357-C27EAB5920EE}"/>
+                </a:ext>
+              </a:extLst>
+            </p:cNvPr>
+            <p:cNvSpPr txBox="1"/>
+            <p:nvPr/>
+          </p:nvSpPr>
+          <p:spPr>
+            <a:xfrm>
+              <a:off x="3131407" y="933626"/>
+              <a:ext cx="1611151" cy="338554"/>
+            </a:xfrm>
+            <a:prstGeom prst="rect">
+              <a:avLst/>
+            </a:prstGeom>
+            <a:noFill/>
+          </p:spPr>
+          <p:txBody>
+            <a:bodyPr wrap="square" rtlCol="0">
+              <a:spAutoFit/>
+            </a:bodyPr>
+            <a:lstStyle/>
+            <a:p>
+              <a:pPr algn="ctr"/>
+              <a:r>
+                <a:rPr kumimoji="1" lang="en-US" altLang="ja-JP" sz="1600" b="1" dirty="0">
+                  <a:latin typeface="Consolas" panose="020B0609020204030204" pitchFamily="49" charset="0"/>
+                  <a:cs typeface="Consolas" panose="020B0609020204030204" pitchFamily="49" charset="0"/>
+                </a:rPr>
+                <a:t>Cloud Broker</a:t>
+              </a:r>
+              <a:endParaRPr kumimoji="1" lang="zh-CN" altLang="en-US" sz="1600" b="1" dirty="0">
+                <a:latin typeface="Consolas" panose="020B0609020204030204" pitchFamily="49" charset="0"/>
+                <a:cs typeface="Consolas" panose="020B0609020204030204" pitchFamily="49" charset="0"/>
+              </a:endParaRPr>
+            </a:p>
+          </p:txBody>
+        </p:sp>
+      </p:grpSp>
+      <p:grpSp>
+        <p:nvGrpSpPr>
+          <p:cNvPr id="82" name="Group 81">
+            <a:extLst>
+              <a:ext uri="{FF2B5EF4-FFF2-40B4-BE49-F238E27FC236}">
+                <a16:creationId xmlns:a16="http://schemas.microsoft.com/office/drawing/2014/main" id="{B69895F0-D08E-14BE-2AE6-07FDB52DA00E}"/>
+              </a:ext>
+            </a:extLst>
+          </p:cNvPr>
+          <p:cNvGrpSpPr/>
+          <p:nvPr/>
+        </p:nvGrpSpPr>
+        <p:grpSpPr>
+          <a:xfrm>
+            <a:off x="10161510" y="2973935"/>
+            <a:ext cx="1656079" cy="966490"/>
+            <a:chOff x="497840" y="723653"/>
+            <a:chExt cx="1656079" cy="966490"/>
+          </a:xfrm>
+        </p:grpSpPr>
+        <p:pic>
+          <p:nvPicPr>
+            <p:cNvPr id="83" name="图片 4">
+              <a:extLst>
+                <a:ext uri="{FF2B5EF4-FFF2-40B4-BE49-F238E27FC236}">
+                  <a16:creationId xmlns:a16="http://schemas.microsoft.com/office/drawing/2014/main" id="{EFEF5854-7EF0-BD32-8F6D-D6E45958B407}"/>
+                </a:ext>
+              </a:extLst>
+            </p:cNvPr>
+            <p:cNvPicPr>
+              <a:picLocks noChangeAspect="1"/>
+            </p:cNvPicPr>
+            <p:nvPr/>
+          </p:nvPicPr>
+          <p:blipFill>
+            <a:blip r:embed="rId2"/>
+            <a:srcRect/>
+            <a:stretch/>
+          </p:blipFill>
+          <p:spPr>
+            <a:xfrm>
+              <a:off x="981119" y="1043644"/>
+              <a:ext cx="604432" cy="604432"/>
+            </a:xfrm>
+            <a:prstGeom prst="rect">
+              <a:avLst/>
+            </a:prstGeom>
+          </p:spPr>
+        </p:pic>
+        <p:sp>
+          <p:nvSpPr>
+            <p:cNvPr id="85" name="矩形 50">
+              <a:extLst>
+                <a:ext uri="{FF2B5EF4-FFF2-40B4-BE49-F238E27FC236}">
+                  <a16:creationId xmlns:a16="http://schemas.microsoft.com/office/drawing/2014/main" id="{2C41517F-16FD-674C-65E8-B79E02F0B989}"/>
+                </a:ext>
+              </a:extLst>
+            </p:cNvPr>
+            <p:cNvSpPr/>
+            <p:nvPr/>
+          </p:nvSpPr>
+          <p:spPr>
+            <a:xfrm>
+              <a:off x="497840" y="777067"/>
+              <a:ext cx="1656079" cy="913076"/>
+            </a:xfrm>
+            <a:prstGeom prst="rect">
+              <a:avLst/>
+            </a:prstGeom>
+            <a:noFill/>
+            <a:ln w="57150">
+              <a:solidFill>
+                <a:schemeClr val="bg1">
+                  <a:lumMod val="65000"/>
+                </a:schemeClr>
+              </a:solidFill>
+              <a:prstDash val="sysDot"/>
+            </a:ln>
+          </p:spPr>
+          <p:style>
+            <a:lnRef idx="2">
+              <a:schemeClr val="accent1">
+                <a:shade val="50000"/>
+              </a:schemeClr>
+            </a:lnRef>
+            <a:fillRef idx="1">
+              <a:schemeClr val="accent1"/>
+            </a:fillRef>
+            <a:effectRef idx="0">
+              <a:schemeClr val="accent1"/>
+            </a:effectRef>
+            <a:fontRef idx="minor">
+              <a:schemeClr val="lt1"/>
+            </a:fontRef>
+          </p:style>
+          <p:txBody>
+            <a:bodyPr rtlCol="0" anchor="ctr"/>
+            <a:lstStyle/>
+            <a:p>
+              <a:pPr algn="ctr"/>
+              <a:endParaRPr kumimoji="1" lang="zh-CN" altLang="en-US"/>
+            </a:p>
+          </p:txBody>
+        </p:sp>
+        <p:sp>
+          <p:nvSpPr>
+            <p:cNvPr id="86" name="文本框 5">
+              <a:extLst>
+                <a:ext uri="{FF2B5EF4-FFF2-40B4-BE49-F238E27FC236}">
+                  <a16:creationId xmlns:a16="http://schemas.microsoft.com/office/drawing/2014/main" id="{05456265-AF1B-D433-6529-814590464AB7}"/>
+                </a:ext>
+              </a:extLst>
+            </p:cNvPr>
+            <p:cNvSpPr txBox="1"/>
+            <p:nvPr/>
+          </p:nvSpPr>
+          <p:spPr>
+            <a:xfrm>
+              <a:off x="507402" y="723653"/>
+              <a:ext cx="1557360" cy="369332"/>
+            </a:xfrm>
+            <a:prstGeom prst="rect">
+              <a:avLst/>
+            </a:prstGeom>
+            <a:noFill/>
+          </p:spPr>
+          <p:txBody>
+            <a:bodyPr wrap="square" rtlCol="0">
+              <a:spAutoFit/>
+            </a:bodyPr>
+            <a:lstStyle/>
+            <a:p>
+              <a:pPr algn="ctr"/>
+              <a:r>
+                <a:rPr kumimoji="1" lang="en-US" altLang="ja-JP" b="1" dirty="0">
+                  <a:latin typeface="Consolas" panose="020B0609020204030204" pitchFamily="49" charset="0"/>
+                  <a:cs typeface="Consolas" panose="020B0609020204030204" pitchFamily="49" charset="0"/>
+                </a:rPr>
+                <a:t>Receiver</a:t>
+              </a:r>
+              <a:r>
+                <a:rPr kumimoji="1" lang="ja-JP" altLang="en-US" b="1">
+                  <a:latin typeface="Consolas" panose="020B0609020204030204" pitchFamily="49" charset="0"/>
+                  <a:cs typeface="Consolas" panose="020B0609020204030204" pitchFamily="49" charset="0"/>
+                </a:rPr>
+                <a:t> </a:t>
+              </a:r>
+              <a:endParaRPr kumimoji="1" lang="zh-CN" altLang="en-US" b="1" dirty="0">
+                <a:latin typeface="Consolas" panose="020B0609020204030204" pitchFamily="49" charset="0"/>
+                <a:cs typeface="Consolas" panose="020B0609020204030204" pitchFamily="49" charset="0"/>
+              </a:endParaRPr>
+            </a:p>
+          </p:txBody>
+        </p:sp>
+      </p:grpSp>
+      <p:sp>
+        <p:nvSpPr>
+          <p:cNvPr id="132" name="文本框 10">
+            <a:extLst>
+              <a:ext uri="{FF2B5EF4-FFF2-40B4-BE49-F238E27FC236}">
+                <a16:creationId xmlns:a16="http://schemas.microsoft.com/office/drawing/2014/main" id="{147DEBA0-E0E1-3BD2-612B-B4A3435E2DD4}"/>
+              </a:ext>
+            </a:extLst>
+          </p:cNvPr>
+          <p:cNvSpPr txBox="1"/>
+          <p:nvPr/>
+        </p:nvSpPr>
+        <p:spPr>
+          <a:xfrm>
+            <a:off x="1082288" y="1709532"/>
+            <a:ext cx="553998" cy="489857"/>
+          </a:xfrm>
+          <a:prstGeom prst="rect">
+            <a:avLst/>
+          </a:prstGeom>
+          <a:noFill/>
+        </p:spPr>
+        <p:txBody>
+          <a:bodyPr vert="eaVert" wrap="square" rtlCol="0">
+            <a:spAutoFit/>
+          </a:bodyPr>
+          <a:lstStyle/>
+          <a:p>
+            <a:r>
+              <a:rPr kumimoji="1" lang="en-US" altLang="zh-CN" sz="2400" dirty="0">
+                <a:latin typeface="Consolas" panose="020B0609020204030204" pitchFamily="49" charset="0"/>
+                <a:cs typeface="Consolas" panose="020B0609020204030204" pitchFamily="49" charset="0"/>
+              </a:rPr>
+              <a:t>……</a:t>
+            </a:r>
+            <a:endParaRPr kumimoji="1" lang="zh-CN" altLang="en-US" sz="2400" dirty="0">
+              <a:latin typeface="Consolas" panose="020B0609020204030204" pitchFamily="49" charset="0"/>
+              <a:cs typeface="Consolas" panose="020B0609020204030204" pitchFamily="49" charset="0"/>
+            </a:endParaRPr>
+          </a:p>
+        </p:txBody>
+      </p:sp>
+      <p:sp>
+        <p:nvSpPr>
+          <p:cNvPr id="133" name="TextBox 132">
+            <a:extLst>
+              <a:ext uri="{FF2B5EF4-FFF2-40B4-BE49-F238E27FC236}">
+                <a16:creationId xmlns:a16="http://schemas.microsoft.com/office/drawing/2014/main" id="{C7ED9772-B3EF-712A-228A-6AC8705243E4}"/>
+              </a:ext>
+            </a:extLst>
+          </p:cNvPr>
+          <p:cNvSpPr txBox="1"/>
+          <p:nvPr/>
+        </p:nvSpPr>
+        <p:spPr>
+          <a:xfrm>
+            <a:off x="1515378" y="1714430"/>
+            <a:ext cx="500458" cy="461665"/>
+          </a:xfrm>
+          <a:prstGeom prst="rect">
+            <a:avLst/>
+          </a:prstGeom>
+          <a:noFill/>
+        </p:spPr>
+        <p:txBody>
+          <a:bodyPr wrap="none" rtlCol="0">
+            <a:spAutoFit/>
+          </a:bodyPr>
+          <a:lstStyle/>
+          <a:p>
+            <a:r>
+              <a:rPr lang="en-JP" sz="2400" i="1" dirty="0"/>
+              <a:t>M</a:t>
+            </a:r>
+            <a:r>
+              <a:rPr lang="ja-JP" altLang="en-US"/>
+              <a:t> </a:t>
+            </a:r>
+            <a:endParaRPr lang="en-JP" dirty="0"/>
+          </a:p>
+        </p:txBody>
+      </p:sp>
+      <p:sp>
+        <p:nvSpPr>
+          <p:cNvPr id="134" name="矩形 50">
+            <a:extLst>
+              <a:ext uri="{FF2B5EF4-FFF2-40B4-BE49-F238E27FC236}">
+                <a16:creationId xmlns:a16="http://schemas.microsoft.com/office/drawing/2014/main" id="{605990D1-F3D2-AD7A-4640-28F0AD5E88C1}"/>
+              </a:ext>
+            </a:extLst>
+          </p:cNvPr>
+          <p:cNvSpPr/>
+          <p:nvPr/>
+        </p:nvSpPr>
+        <p:spPr>
+          <a:xfrm>
+            <a:off x="345441" y="3346942"/>
+            <a:ext cx="7359016" cy="2540445"/>
+          </a:xfrm>
+          <a:prstGeom prst="rect">
+            <a:avLst/>
+          </a:prstGeom>
+          <a:noFill/>
+          <a:ln w="57150">
+            <a:solidFill>
+              <a:schemeClr val="bg1">
+                <a:lumMod val="65000"/>
+              </a:schemeClr>
+            </a:solidFill>
+            <a:prstDash val="dash"/>
+          </a:ln>
+        </p:spPr>
+        <p:style>
+          <a:lnRef idx="2">
+            <a:schemeClr val="accent1">
+              <a:shade val="50000"/>
+            </a:schemeClr>
+          </a:lnRef>
+          <a:fillRef idx="1">
+            <a:schemeClr val="accent1"/>
+          </a:fillRef>
+          <a:effectRef idx="0">
+            <a:schemeClr val="accent1"/>
+          </a:effectRef>
+          <a:fontRef idx="minor">
+            <a:schemeClr val="lt1"/>
+          </a:fontRef>
+        </p:style>
+        <p:txBody>
+          <a:bodyPr rtlCol="0" anchor="ctr"/>
+          <a:lstStyle/>
+          <a:p>
+            <a:pPr algn="ctr"/>
+            <a:endParaRPr kumimoji="1" lang="zh-CN" altLang="en-US"/>
+          </a:p>
+        </p:txBody>
+      </p:sp>
+      <p:sp>
+        <p:nvSpPr>
+          <p:cNvPr id="135" name="文本框 5">
+            <a:extLst>
+              <a:ext uri="{FF2B5EF4-FFF2-40B4-BE49-F238E27FC236}">
+                <a16:creationId xmlns:a16="http://schemas.microsoft.com/office/drawing/2014/main" id="{E2F87350-698C-7381-B1FE-47E74EF2CA32}"/>
+              </a:ext>
+            </a:extLst>
+          </p:cNvPr>
+          <p:cNvSpPr txBox="1"/>
+          <p:nvPr/>
+        </p:nvSpPr>
+        <p:spPr>
+          <a:xfrm>
+            <a:off x="6869793" y="3304327"/>
+            <a:ext cx="792409" cy="382953"/>
+          </a:xfrm>
+          <a:prstGeom prst="rect">
+            <a:avLst/>
+          </a:prstGeom>
+          <a:noFill/>
+        </p:spPr>
+        <p:txBody>
+          <a:bodyPr wrap="square" rtlCol="0">
+            <a:spAutoFit/>
+          </a:bodyPr>
+          <a:lstStyle/>
+          <a:p>
+            <a:pPr algn="ctr"/>
+            <a:r>
+              <a:rPr kumimoji="1" lang="en-US" altLang="zh-CN" b="1" dirty="0">
+                <a:latin typeface="Consolas" panose="020B0609020204030204" pitchFamily="49" charset="0"/>
+                <a:cs typeface="Consolas" panose="020B0609020204030204" pitchFamily="49" charset="0"/>
+              </a:rPr>
+              <a:t>Node</a:t>
+            </a:r>
+            <a:endParaRPr kumimoji="1" lang="zh-CN" altLang="en-US" b="1" dirty="0">
+              <a:latin typeface="Consolas" panose="020B0609020204030204" pitchFamily="49" charset="0"/>
+              <a:cs typeface="Consolas" panose="020B0609020204030204" pitchFamily="49" charset="0"/>
+            </a:endParaRPr>
+          </a:p>
+        </p:txBody>
+      </p:sp>
+      <p:cxnSp>
+        <p:nvCxnSpPr>
+          <p:cNvPr id="136" name="直线箭头连接符 18">
+            <a:extLst>
+              <a:ext uri="{FF2B5EF4-FFF2-40B4-BE49-F238E27FC236}">
+                <a16:creationId xmlns:a16="http://schemas.microsoft.com/office/drawing/2014/main" id="{7A2736B5-6FDB-210F-2FF2-12EF5CF8AACB}"/>
+              </a:ext>
+            </a:extLst>
+          </p:cNvPr>
+          <p:cNvCxnSpPr>
+            <a:cxnSpLocks/>
+            <a:stCxn id="140" idx="3"/>
+            <a:endCxn id="152" idx="1"/>
+          </p:cNvCxnSpPr>
+          <p:nvPr/>
+        </p:nvCxnSpPr>
+        <p:spPr>
+          <a:xfrm>
+            <a:off x="1585551" y="4068136"/>
+            <a:ext cx="1803273" cy="420922"/>
+          </a:xfrm>
+          <a:prstGeom prst="straightConnector1">
+            <a:avLst/>
+          </a:prstGeom>
+          <a:ln w="38100">
+            <a:headEnd type="triangle"/>
+            <a:tailEnd type="triangle"/>
+          </a:ln>
+        </p:spPr>
+        <p:style>
+          <a:lnRef idx="3">
+            <a:schemeClr val="dk1"/>
+          </a:lnRef>
+          <a:fillRef idx="0">
+            <a:schemeClr val="dk1"/>
+          </a:fillRef>
+          <a:effectRef idx="2">
+            <a:schemeClr val="dk1"/>
+          </a:effectRef>
+          <a:fontRef idx="minor">
+            <a:schemeClr val="tx1"/>
+          </a:fontRef>
+        </p:style>
+      </p:cxnSp>
+      <p:cxnSp>
+        <p:nvCxnSpPr>
+          <p:cNvPr id="137" name="直线箭头连接符 19">
+            <a:extLst>
+              <a:ext uri="{FF2B5EF4-FFF2-40B4-BE49-F238E27FC236}">
+                <a16:creationId xmlns:a16="http://schemas.microsoft.com/office/drawing/2014/main" id="{24499F4C-6141-DE65-B676-364571B960BB}"/>
+              </a:ext>
+            </a:extLst>
+          </p:cNvPr>
+          <p:cNvCxnSpPr>
+            <a:cxnSpLocks/>
+            <a:stCxn id="144" idx="3"/>
+            <a:endCxn id="152" idx="1"/>
+          </p:cNvCxnSpPr>
+          <p:nvPr/>
+        </p:nvCxnSpPr>
+        <p:spPr>
+          <a:xfrm flipV="1">
+            <a:off x="1585551" y="4489058"/>
+            <a:ext cx="1803273" cy="916284"/>
+          </a:xfrm>
+          <a:prstGeom prst="straightConnector1">
+            <a:avLst/>
+          </a:prstGeom>
+          <a:ln w="38100">
+            <a:headEnd type="triangle"/>
+            <a:tailEnd type="triangle"/>
+          </a:ln>
+        </p:spPr>
+        <p:style>
+          <a:lnRef idx="3">
+            <a:schemeClr val="dk1"/>
+          </a:lnRef>
+          <a:fillRef idx="0">
+            <a:schemeClr val="dk1"/>
+          </a:fillRef>
+          <a:effectRef idx="2">
+            <a:schemeClr val="dk1"/>
+          </a:effectRef>
+          <a:fontRef idx="minor">
+            <a:schemeClr val="tx1"/>
+          </a:fontRef>
+        </p:style>
+      </p:cxnSp>
+      <p:cxnSp>
+        <p:nvCxnSpPr>
+          <p:cNvPr id="138" name="直线箭头连接符 47">
+            <a:extLst>
+              <a:ext uri="{FF2B5EF4-FFF2-40B4-BE49-F238E27FC236}">
+                <a16:creationId xmlns:a16="http://schemas.microsoft.com/office/drawing/2014/main" id="{0FA29345-4BA3-D52F-D44E-58F8E4A5AC0E}"/>
+              </a:ext>
+            </a:extLst>
+          </p:cNvPr>
+          <p:cNvCxnSpPr>
+            <a:cxnSpLocks/>
+            <a:stCxn id="152" idx="3"/>
+          </p:cNvCxnSpPr>
+          <p:nvPr/>
+        </p:nvCxnSpPr>
+        <p:spPr>
+          <a:xfrm flipV="1">
+            <a:off x="4468824" y="4483079"/>
+            <a:ext cx="1345077" cy="5979"/>
+          </a:xfrm>
+          <a:prstGeom prst="straightConnector1">
+            <a:avLst/>
+          </a:prstGeom>
+          <a:ln w="38100">
+            <a:headEnd type="triangle"/>
+            <a:tailEnd type="triangle"/>
+          </a:ln>
+        </p:spPr>
+        <p:style>
+          <a:lnRef idx="3">
+            <a:schemeClr val="dk1"/>
+          </a:lnRef>
+          <a:fillRef idx="0">
+            <a:schemeClr val="dk1"/>
+          </a:fillRef>
+          <a:effectRef idx="2">
+            <a:schemeClr val="dk1"/>
+          </a:effectRef>
+          <a:fontRef idx="minor">
+            <a:schemeClr val="tx1"/>
+          </a:fontRef>
+        </p:style>
+      </p:cxnSp>
+      <p:grpSp>
+        <p:nvGrpSpPr>
+          <p:cNvPr id="139" name="Group 138">
+            <a:extLst>
+              <a:ext uri="{FF2B5EF4-FFF2-40B4-BE49-F238E27FC236}">
+                <a16:creationId xmlns:a16="http://schemas.microsoft.com/office/drawing/2014/main" id="{6D21EC7F-A115-DC6F-7154-20033722DB38}"/>
+              </a:ext>
+            </a:extLst>
+          </p:cNvPr>
+          <p:cNvGrpSpPr/>
+          <p:nvPr/>
+        </p:nvGrpSpPr>
+        <p:grpSpPr>
+          <a:xfrm>
+            <a:off x="497840" y="3445929"/>
+            <a:ext cx="1656079" cy="966490"/>
+            <a:chOff x="497840" y="723653"/>
+            <a:chExt cx="1656079" cy="966490"/>
+          </a:xfrm>
+        </p:grpSpPr>
+        <p:pic>
+          <p:nvPicPr>
+            <p:cNvPr id="140" name="图片 4">
+              <a:extLst>
+                <a:ext uri="{FF2B5EF4-FFF2-40B4-BE49-F238E27FC236}">
+                  <a16:creationId xmlns:a16="http://schemas.microsoft.com/office/drawing/2014/main" id="{EF7FF523-E83E-3CC4-B5B4-A7C9931D0274}"/>
+                </a:ext>
+              </a:extLst>
+            </p:cNvPr>
+            <p:cNvPicPr>
+              <a:picLocks noChangeAspect="1"/>
+            </p:cNvPicPr>
+            <p:nvPr/>
+          </p:nvPicPr>
+          <p:blipFill>
+            <a:blip r:embed="rId2"/>
+            <a:srcRect/>
+            <a:stretch/>
+          </p:blipFill>
+          <p:spPr>
+            <a:xfrm>
+              <a:off x="981119" y="1043644"/>
+              <a:ext cx="604432" cy="604432"/>
+            </a:xfrm>
+            <a:prstGeom prst="rect">
+              <a:avLst/>
+            </a:prstGeom>
+          </p:spPr>
+        </p:pic>
+        <p:sp>
+          <p:nvSpPr>
+            <p:cNvPr id="141" name="矩形 50">
+              <a:extLst>
+                <a:ext uri="{FF2B5EF4-FFF2-40B4-BE49-F238E27FC236}">
+                  <a16:creationId xmlns:a16="http://schemas.microsoft.com/office/drawing/2014/main" id="{2CDDF713-C4FA-09C7-7613-C67784A2DD2D}"/>
+                </a:ext>
+              </a:extLst>
+            </p:cNvPr>
+            <p:cNvSpPr/>
+            <p:nvPr/>
+          </p:nvSpPr>
+          <p:spPr>
+            <a:xfrm>
+              <a:off x="497840" y="777067"/>
+              <a:ext cx="1656079" cy="913076"/>
+            </a:xfrm>
+            <a:prstGeom prst="rect">
+              <a:avLst/>
+            </a:prstGeom>
+            <a:noFill/>
+            <a:ln w="57150">
+              <a:solidFill>
+                <a:schemeClr val="bg1">
+                  <a:lumMod val="65000"/>
+                </a:schemeClr>
+              </a:solidFill>
+              <a:prstDash val="sysDot"/>
+            </a:ln>
+          </p:spPr>
+          <p:style>
+            <a:lnRef idx="2">
+              <a:schemeClr val="accent1">
+                <a:shade val="50000"/>
+              </a:schemeClr>
+            </a:lnRef>
+            <a:fillRef idx="1">
+              <a:schemeClr val="accent1"/>
+            </a:fillRef>
+            <a:effectRef idx="0">
+              <a:schemeClr val="accent1"/>
+            </a:effectRef>
+            <a:fontRef idx="minor">
+              <a:schemeClr val="lt1"/>
+            </a:fontRef>
+          </p:style>
+          <p:txBody>
+            <a:bodyPr rtlCol="0" anchor="ctr"/>
+            <a:lstStyle/>
+            <a:p>
+              <a:pPr algn="ctr"/>
+              <a:endParaRPr kumimoji="1" lang="zh-CN" altLang="en-US"/>
+            </a:p>
+          </p:txBody>
+        </p:sp>
+        <p:sp>
+          <p:nvSpPr>
+            <p:cNvPr id="142" name="文本框 5">
+              <a:extLst>
+                <a:ext uri="{FF2B5EF4-FFF2-40B4-BE49-F238E27FC236}">
+                  <a16:creationId xmlns:a16="http://schemas.microsoft.com/office/drawing/2014/main" id="{1B834BF5-67EE-61D5-0BDA-55388948C924}"/>
+                </a:ext>
+              </a:extLst>
+            </p:cNvPr>
+            <p:cNvSpPr txBox="1"/>
+            <p:nvPr/>
+          </p:nvSpPr>
+          <p:spPr>
+            <a:xfrm>
+              <a:off x="507402" y="723653"/>
+              <a:ext cx="1557360" cy="369332"/>
+            </a:xfrm>
+            <a:prstGeom prst="rect">
+              <a:avLst/>
+            </a:prstGeom>
+            <a:noFill/>
+          </p:spPr>
+          <p:txBody>
+            <a:bodyPr wrap="square" rtlCol="0">
+              <a:spAutoFit/>
+            </a:bodyPr>
+            <a:lstStyle/>
+            <a:p>
+              <a:pPr algn="ctr"/>
+              <a:r>
+                <a:rPr kumimoji="1" lang="en-US" altLang="zh-CN" b="1" dirty="0">
+                  <a:latin typeface="Consolas" panose="020B0609020204030204" pitchFamily="49" charset="0"/>
+                  <a:cs typeface="Consolas" panose="020B0609020204030204" pitchFamily="49" charset="0"/>
+                </a:rPr>
+                <a:t>Sensor</a:t>
+              </a:r>
+              <a:r>
+                <a:rPr kumimoji="1" lang="ja-JP" altLang="en-US" b="1">
+                  <a:latin typeface="Consolas" panose="020B0609020204030204" pitchFamily="49" charset="0"/>
+                  <a:cs typeface="Consolas" panose="020B0609020204030204" pitchFamily="49" charset="0"/>
+                </a:rPr>
+                <a:t> </a:t>
+              </a:r>
+              <a:r>
+                <a:rPr kumimoji="1" lang="en-US" altLang="zh-CN" b="1" dirty="0">
+                  <a:latin typeface="Consolas" panose="020B0609020204030204" pitchFamily="49" charset="0"/>
+                  <a:cs typeface="Consolas" panose="020B0609020204030204" pitchFamily="49" charset="0"/>
+                </a:rPr>
+                <a:t>Pod</a:t>
+              </a:r>
+              <a:endParaRPr kumimoji="1" lang="zh-CN" altLang="en-US" b="1" dirty="0">
+                <a:latin typeface="Consolas" panose="020B0609020204030204" pitchFamily="49" charset="0"/>
+                <a:cs typeface="Consolas" panose="020B0609020204030204" pitchFamily="49" charset="0"/>
+              </a:endParaRPr>
+            </a:p>
+          </p:txBody>
+        </p:sp>
+      </p:grpSp>
+      <p:grpSp>
+        <p:nvGrpSpPr>
+          <p:cNvPr id="143" name="Group 142">
+            <a:extLst>
+              <a:ext uri="{FF2B5EF4-FFF2-40B4-BE49-F238E27FC236}">
+                <a16:creationId xmlns:a16="http://schemas.microsoft.com/office/drawing/2014/main" id="{BB7EA579-A7EE-1649-58A3-4AB76A889F78}"/>
+              </a:ext>
+            </a:extLst>
+          </p:cNvPr>
+          <p:cNvGrpSpPr/>
+          <p:nvPr/>
+        </p:nvGrpSpPr>
+        <p:grpSpPr>
+          <a:xfrm>
+            <a:off x="497840" y="4783135"/>
+            <a:ext cx="1656079" cy="966490"/>
+            <a:chOff x="497840" y="723653"/>
+            <a:chExt cx="1656079" cy="966490"/>
+          </a:xfrm>
+        </p:grpSpPr>
+        <p:pic>
+          <p:nvPicPr>
+            <p:cNvPr id="144" name="图片 4">
+              <a:extLst>
+                <a:ext uri="{FF2B5EF4-FFF2-40B4-BE49-F238E27FC236}">
+                  <a16:creationId xmlns:a16="http://schemas.microsoft.com/office/drawing/2014/main" id="{897B045E-E814-FDFF-3048-749A0BA2DAD1}"/>
+                </a:ext>
+              </a:extLst>
+            </p:cNvPr>
+            <p:cNvPicPr>
+              <a:picLocks noChangeAspect="1"/>
+            </p:cNvPicPr>
+            <p:nvPr/>
+          </p:nvPicPr>
+          <p:blipFill>
+            <a:blip r:embed="rId2"/>
+            <a:srcRect/>
+            <a:stretch/>
+          </p:blipFill>
+          <p:spPr>
+            <a:xfrm>
+              <a:off x="981119" y="1043644"/>
+              <a:ext cx="604432" cy="604432"/>
+            </a:xfrm>
+            <a:prstGeom prst="rect">
+              <a:avLst/>
+            </a:prstGeom>
+          </p:spPr>
+        </p:pic>
+        <p:sp>
+          <p:nvSpPr>
+            <p:cNvPr id="145" name="矩形 50">
+              <a:extLst>
+                <a:ext uri="{FF2B5EF4-FFF2-40B4-BE49-F238E27FC236}">
+                  <a16:creationId xmlns:a16="http://schemas.microsoft.com/office/drawing/2014/main" id="{86D21EB8-48A7-58A6-6897-B1A07BA89134}"/>
+                </a:ext>
+              </a:extLst>
+            </p:cNvPr>
+            <p:cNvSpPr/>
+            <p:nvPr/>
+          </p:nvSpPr>
+          <p:spPr>
+            <a:xfrm>
+              <a:off x="497840" y="777067"/>
+              <a:ext cx="1656079" cy="913076"/>
+            </a:xfrm>
+            <a:prstGeom prst="rect">
+              <a:avLst/>
+            </a:prstGeom>
+            <a:noFill/>
+            <a:ln w="57150">
+              <a:solidFill>
+                <a:schemeClr val="bg1">
+                  <a:lumMod val="65000"/>
+                </a:schemeClr>
+              </a:solidFill>
+              <a:prstDash val="sysDot"/>
+            </a:ln>
+          </p:spPr>
+          <p:style>
+            <a:lnRef idx="2">
+              <a:schemeClr val="accent1">
+                <a:shade val="50000"/>
+              </a:schemeClr>
+            </a:lnRef>
+            <a:fillRef idx="1">
+              <a:schemeClr val="accent1"/>
+            </a:fillRef>
+            <a:effectRef idx="0">
+              <a:schemeClr val="accent1"/>
+            </a:effectRef>
+            <a:fontRef idx="minor">
+              <a:schemeClr val="lt1"/>
+            </a:fontRef>
+          </p:style>
+          <p:txBody>
+            <a:bodyPr rtlCol="0" anchor="ctr"/>
+            <a:lstStyle/>
+            <a:p>
+              <a:pPr algn="ctr"/>
+              <a:endParaRPr kumimoji="1" lang="zh-CN" altLang="en-US"/>
+            </a:p>
+          </p:txBody>
+        </p:sp>
+        <p:sp>
+          <p:nvSpPr>
+            <p:cNvPr id="146" name="文本框 5">
+              <a:extLst>
+                <a:ext uri="{FF2B5EF4-FFF2-40B4-BE49-F238E27FC236}">
+                  <a16:creationId xmlns:a16="http://schemas.microsoft.com/office/drawing/2014/main" id="{1F37BE83-D08F-BC03-2A16-058390A07CA7}"/>
+                </a:ext>
+              </a:extLst>
+            </p:cNvPr>
+            <p:cNvSpPr txBox="1"/>
+            <p:nvPr/>
+          </p:nvSpPr>
+          <p:spPr>
+            <a:xfrm>
+              <a:off x="507402" y="723653"/>
+              <a:ext cx="1557360" cy="369332"/>
+            </a:xfrm>
+            <a:prstGeom prst="rect">
+              <a:avLst/>
+            </a:prstGeom>
+            <a:noFill/>
+          </p:spPr>
+          <p:txBody>
+            <a:bodyPr wrap="square" rtlCol="0">
+              <a:spAutoFit/>
+            </a:bodyPr>
+            <a:lstStyle/>
+            <a:p>
+              <a:pPr algn="ctr"/>
+              <a:r>
+                <a:rPr kumimoji="1" lang="en-US" altLang="zh-CN" b="1" dirty="0">
+                  <a:latin typeface="Consolas" panose="020B0609020204030204" pitchFamily="49" charset="0"/>
+                  <a:cs typeface="Consolas" panose="020B0609020204030204" pitchFamily="49" charset="0"/>
+                </a:rPr>
+                <a:t>Sensor</a:t>
+              </a:r>
+              <a:r>
+                <a:rPr kumimoji="1" lang="ja-JP" altLang="en-US" b="1">
+                  <a:latin typeface="Consolas" panose="020B0609020204030204" pitchFamily="49" charset="0"/>
+                  <a:cs typeface="Consolas" panose="020B0609020204030204" pitchFamily="49" charset="0"/>
+                </a:rPr>
+                <a:t> </a:t>
+              </a:r>
+              <a:r>
+                <a:rPr kumimoji="1" lang="en-US" altLang="zh-CN" b="1" dirty="0">
+                  <a:latin typeface="Consolas" panose="020B0609020204030204" pitchFamily="49" charset="0"/>
+                  <a:cs typeface="Consolas" panose="020B0609020204030204" pitchFamily="49" charset="0"/>
+                </a:rPr>
+                <a:t>Pod</a:t>
+              </a:r>
+              <a:endParaRPr kumimoji="1" lang="zh-CN" altLang="en-US" b="1" dirty="0">
+                <a:latin typeface="Consolas" panose="020B0609020204030204" pitchFamily="49" charset="0"/>
+                <a:cs typeface="Consolas" panose="020B0609020204030204" pitchFamily="49" charset="0"/>
+              </a:endParaRPr>
+            </a:p>
+          </p:txBody>
+        </p:sp>
+      </p:grpSp>
+      <p:grpSp>
+        <p:nvGrpSpPr>
+          <p:cNvPr id="147" name="Group 146">
+            <a:extLst>
+              <a:ext uri="{FF2B5EF4-FFF2-40B4-BE49-F238E27FC236}">
+                <a16:creationId xmlns:a16="http://schemas.microsoft.com/office/drawing/2014/main" id="{B6B1DD00-63B6-F602-5678-FDBA2D2F6095}"/>
+              </a:ext>
+            </a:extLst>
+          </p:cNvPr>
+          <p:cNvGrpSpPr/>
+          <p:nvPr/>
+        </p:nvGrpSpPr>
+        <p:grpSpPr>
+          <a:xfrm>
+            <a:off x="5537138" y="3887107"/>
+            <a:ext cx="1656079" cy="966490"/>
+            <a:chOff x="497840" y="723653"/>
+            <a:chExt cx="1656079" cy="966490"/>
+          </a:xfrm>
+        </p:grpSpPr>
+        <p:pic>
+          <p:nvPicPr>
+            <p:cNvPr id="148" name="图片 4">
+              <a:extLst>
+                <a:ext uri="{FF2B5EF4-FFF2-40B4-BE49-F238E27FC236}">
+                  <a16:creationId xmlns:a16="http://schemas.microsoft.com/office/drawing/2014/main" id="{DA1A01F9-024E-E863-F880-A089EB854E31}"/>
+                </a:ext>
+              </a:extLst>
+            </p:cNvPr>
+            <p:cNvPicPr>
+              <a:picLocks noChangeAspect="1"/>
+            </p:cNvPicPr>
+            <p:nvPr/>
+          </p:nvPicPr>
+          <p:blipFill>
+            <a:blip r:embed="rId2"/>
+            <a:srcRect/>
+            <a:stretch/>
+          </p:blipFill>
+          <p:spPr>
+            <a:xfrm>
+              <a:off x="981119" y="1043644"/>
+              <a:ext cx="604432" cy="604432"/>
+            </a:xfrm>
+            <a:prstGeom prst="rect">
+              <a:avLst/>
+            </a:prstGeom>
+          </p:spPr>
+        </p:pic>
+        <p:sp>
+          <p:nvSpPr>
+            <p:cNvPr id="149" name="矩形 50">
+              <a:extLst>
+                <a:ext uri="{FF2B5EF4-FFF2-40B4-BE49-F238E27FC236}">
+                  <a16:creationId xmlns:a16="http://schemas.microsoft.com/office/drawing/2014/main" id="{03F39F6A-BCB4-0B2E-B07E-0553B7E67B8B}"/>
+                </a:ext>
+              </a:extLst>
+            </p:cNvPr>
+            <p:cNvSpPr/>
+            <p:nvPr/>
+          </p:nvSpPr>
+          <p:spPr>
+            <a:xfrm>
+              <a:off x="497840" y="777067"/>
+              <a:ext cx="1656079" cy="913076"/>
+            </a:xfrm>
+            <a:prstGeom prst="rect">
+              <a:avLst/>
+            </a:prstGeom>
+            <a:noFill/>
+            <a:ln w="57150">
+              <a:solidFill>
+                <a:schemeClr val="bg1">
+                  <a:lumMod val="65000"/>
+                </a:schemeClr>
+              </a:solidFill>
+              <a:prstDash val="sysDot"/>
+            </a:ln>
+          </p:spPr>
+          <p:style>
+            <a:lnRef idx="2">
+              <a:schemeClr val="accent1">
+                <a:shade val="50000"/>
+              </a:schemeClr>
+            </a:lnRef>
+            <a:fillRef idx="1">
+              <a:schemeClr val="accent1"/>
+            </a:fillRef>
+            <a:effectRef idx="0">
+              <a:schemeClr val="accent1"/>
+            </a:effectRef>
+            <a:fontRef idx="minor">
+              <a:schemeClr val="lt1"/>
+            </a:fontRef>
+          </p:style>
+          <p:txBody>
+            <a:bodyPr rtlCol="0" anchor="ctr"/>
+            <a:lstStyle/>
+            <a:p>
+              <a:pPr algn="ctr"/>
+              <a:endParaRPr kumimoji="1" lang="zh-CN" altLang="en-US"/>
+            </a:p>
+          </p:txBody>
+        </p:sp>
+        <p:sp>
+          <p:nvSpPr>
+            <p:cNvPr id="150" name="文本框 5">
+              <a:extLst>
+                <a:ext uri="{FF2B5EF4-FFF2-40B4-BE49-F238E27FC236}">
+                  <a16:creationId xmlns:a16="http://schemas.microsoft.com/office/drawing/2014/main" id="{CE11CCED-94CF-E9F6-2958-83527756C614}"/>
+                </a:ext>
+              </a:extLst>
+            </p:cNvPr>
+            <p:cNvSpPr txBox="1"/>
+            <p:nvPr/>
+          </p:nvSpPr>
+          <p:spPr>
+            <a:xfrm>
+              <a:off x="507402" y="723653"/>
+              <a:ext cx="1557360" cy="369332"/>
+            </a:xfrm>
+            <a:prstGeom prst="rect">
+              <a:avLst/>
+            </a:prstGeom>
+            <a:noFill/>
+          </p:spPr>
+          <p:txBody>
+            <a:bodyPr wrap="square" rtlCol="0">
+              <a:spAutoFit/>
+            </a:bodyPr>
+            <a:lstStyle/>
+            <a:p>
+              <a:pPr algn="ctr"/>
+              <a:r>
+                <a:rPr kumimoji="1" lang="en-US" altLang="ja-JP" b="1" dirty="0">
+                  <a:latin typeface="Consolas" panose="020B0609020204030204" pitchFamily="49" charset="0"/>
+                  <a:cs typeface="Consolas" panose="020B0609020204030204" pitchFamily="49" charset="0"/>
+                </a:rPr>
+                <a:t>Relay</a:t>
+              </a:r>
+              <a:r>
+                <a:rPr kumimoji="1" lang="ja-JP" altLang="en-US" b="1">
+                  <a:latin typeface="Consolas" panose="020B0609020204030204" pitchFamily="49" charset="0"/>
+                  <a:cs typeface="Consolas" panose="020B0609020204030204" pitchFamily="49" charset="0"/>
+                </a:rPr>
+                <a:t> </a:t>
+              </a:r>
+              <a:r>
+                <a:rPr kumimoji="1" lang="en-US" altLang="zh-CN" b="1" dirty="0">
+                  <a:latin typeface="Consolas" panose="020B0609020204030204" pitchFamily="49" charset="0"/>
+                  <a:cs typeface="Consolas" panose="020B0609020204030204" pitchFamily="49" charset="0"/>
+                </a:rPr>
+                <a:t>Pod</a:t>
+              </a:r>
+              <a:endParaRPr kumimoji="1" lang="zh-CN" altLang="en-US" b="1" dirty="0">
+                <a:latin typeface="Consolas" panose="020B0609020204030204" pitchFamily="49" charset="0"/>
+                <a:cs typeface="Consolas" panose="020B0609020204030204" pitchFamily="49" charset="0"/>
+              </a:endParaRPr>
+            </a:p>
+          </p:txBody>
+        </p:sp>
+      </p:grpSp>
+      <p:grpSp>
+        <p:nvGrpSpPr>
+          <p:cNvPr id="151" name="Group 150">
+            <a:extLst>
+              <a:ext uri="{FF2B5EF4-FFF2-40B4-BE49-F238E27FC236}">
+                <a16:creationId xmlns:a16="http://schemas.microsoft.com/office/drawing/2014/main" id="{32B8D84B-2760-3D9B-336C-EEA2751E7901}"/>
+              </a:ext>
+            </a:extLst>
+          </p:cNvPr>
+          <p:cNvGrpSpPr/>
+          <p:nvPr/>
+        </p:nvGrpSpPr>
+        <p:grpSpPr>
+          <a:xfrm>
+            <a:off x="3131407" y="3647760"/>
+            <a:ext cx="1656079" cy="1511003"/>
+            <a:chOff x="3131407" y="925484"/>
+            <a:chExt cx="1656079" cy="1511003"/>
+          </a:xfrm>
+        </p:grpSpPr>
+        <p:pic>
+          <p:nvPicPr>
+            <p:cNvPr id="152" name="图片 2">
+              <a:extLst>
+                <a:ext uri="{FF2B5EF4-FFF2-40B4-BE49-F238E27FC236}">
+                  <a16:creationId xmlns:a16="http://schemas.microsoft.com/office/drawing/2014/main" id="{66EAA596-CD1A-1141-7EC7-98B2E58A9464}"/>
+                </a:ext>
+              </a:extLst>
+            </p:cNvPr>
+            <p:cNvPicPr>
+              <a:picLocks noChangeAspect="1"/>
+            </p:cNvPicPr>
+            <p:nvPr/>
+          </p:nvPicPr>
+          <p:blipFill>
+            <a:blip r:embed="rId3"/>
+            <a:srcRect/>
+            <a:stretch/>
+          </p:blipFill>
+          <p:spPr>
+            <a:xfrm>
+              <a:off x="3388824" y="1226782"/>
+              <a:ext cx="1080000" cy="1080000"/>
+            </a:xfrm>
+            <a:prstGeom prst="rect">
+              <a:avLst/>
+            </a:prstGeom>
+          </p:spPr>
+        </p:pic>
+        <p:sp>
+          <p:nvSpPr>
+            <p:cNvPr id="153" name="矩形 50">
+              <a:extLst>
+                <a:ext uri="{FF2B5EF4-FFF2-40B4-BE49-F238E27FC236}">
+                  <a16:creationId xmlns:a16="http://schemas.microsoft.com/office/drawing/2014/main" id="{B90ADD4B-BD62-B380-0AE9-99C7E929B2C4}"/>
+                </a:ext>
+              </a:extLst>
+            </p:cNvPr>
+            <p:cNvSpPr/>
+            <p:nvPr/>
+          </p:nvSpPr>
+          <p:spPr>
+            <a:xfrm>
+              <a:off x="3131407" y="925484"/>
+              <a:ext cx="1656079" cy="1511003"/>
+            </a:xfrm>
+            <a:prstGeom prst="rect">
+              <a:avLst/>
+            </a:prstGeom>
+            <a:noFill/>
+            <a:ln w="57150">
+              <a:solidFill>
+                <a:schemeClr val="bg1">
+                  <a:lumMod val="65000"/>
+                </a:schemeClr>
+              </a:solidFill>
+              <a:prstDash val="sysDot"/>
+            </a:ln>
+          </p:spPr>
+          <p:style>
+            <a:lnRef idx="2">
+              <a:schemeClr val="accent1">
+                <a:shade val="50000"/>
+              </a:schemeClr>
+            </a:lnRef>
+            <a:fillRef idx="1">
+              <a:schemeClr val="accent1"/>
+            </a:fillRef>
+            <a:effectRef idx="0">
+              <a:schemeClr val="accent1"/>
+            </a:effectRef>
+            <a:fontRef idx="minor">
+              <a:schemeClr val="lt1"/>
+            </a:fontRef>
+          </p:style>
+          <p:txBody>
+            <a:bodyPr rtlCol="0" anchor="ctr"/>
+            <a:lstStyle/>
+            <a:p>
+              <a:pPr algn="ctr"/>
+              <a:endParaRPr kumimoji="1" lang="zh-CN" altLang="en-US"/>
+            </a:p>
+          </p:txBody>
+        </p:sp>
+        <p:sp>
+          <p:nvSpPr>
+            <p:cNvPr id="154" name="文本框 5">
+              <a:extLst>
+                <a:ext uri="{FF2B5EF4-FFF2-40B4-BE49-F238E27FC236}">
+                  <a16:creationId xmlns:a16="http://schemas.microsoft.com/office/drawing/2014/main" id="{7B9BD56D-1730-3D52-E8EA-4476D506AA82}"/>
+                </a:ext>
+              </a:extLst>
+            </p:cNvPr>
+            <p:cNvSpPr txBox="1"/>
+            <p:nvPr/>
+          </p:nvSpPr>
+          <p:spPr>
+            <a:xfrm>
+              <a:off x="3131407" y="933626"/>
+              <a:ext cx="1611151" cy="369332"/>
+            </a:xfrm>
+            <a:prstGeom prst="rect">
+              <a:avLst/>
+            </a:prstGeom>
+            <a:noFill/>
+          </p:spPr>
+          <p:txBody>
+            <a:bodyPr wrap="square" rtlCol="0">
+              <a:spAutoFit/>
+            </a:bodyPr>
+            <a:lstStyle/>
+            <a:p>
+              <a:pPr algn="ctr"/>
+              <a:r>
+                <a:rPr kumimoji="1" lang="en-US" altLang="ja-JP" b="1" dirty="0">
+                  <a:latin typeface="Consolas" panose="020B0609020204030204" pitchFamily="49" charset="0"/>
+                  <a:cs typeface="Consolas" panose="020B0609020204030204" pitchFamily="49" charset="0"/>
+                </a:rPr>
+                <a:t>Edge Broker</a:t>
+              </a:r>
+              <a:endParaRPr kumimoji="1" lang="zh-CN" altLang="en-US" b="1" dirty="0">
+                <a:latin typeface="Consolas" panose="020B0609020204030204" pitchFamily="49" charset="0"/>
+                <a:cs typeface="Consolas" panose="020B0609020204030204" pitchFamily="49" charset="0"/>
+              </a:endParaRPr>
+            </a:p>
+          </p:txBody>
+        </p:sp>
+      </p:grpSp>
+      <p:sp>
+        <p:nvSpPr>
+          <p:cNvPr id="155" name="文本框 10">
+            <a:extLst>
+              <a:ext uri="{FF2B5EF4-FFF2-40B4-BE49-F238E27FC236}">
+                <a16:creationId xmlns:a16="http://schemas.microsoft.com/office/drawing/2014/main" id="{39DD2772-59AE-4478-18F2-4C08314FF1D9}"/>
+              </a:ext>
+            </a:extLst>
+          </p:cNvPr>
+          <p:cNvSpPr txBox="1"/>
+          <p:nvPr/>
+        </p:nvSpPr>
+        <p:spPr>
+          <a:xfrm>
+            <a:off x="1082288" y="4431808"/>
+            <a:ext cx="553998" cy="489857"/>
+          </a:xfrm>
+          <a:prstGeom prst="rect">
+            <a:avLst/>
+          </a:prstGeom>
+          <a:noFill/>
+        </p:spPr>
+        <p:txBody>
+          <a:bodyPr vert="eaVert" wrap="square" rtlCol="0">
+            <a:spAutoFit/>
+          </a:bodyPr>
+          <a:lstStyle/>
+          <a:p>
+            <a:r>
+              <a:rPr kumimoji="1" lang="en-US" altLang="zh-CN" sz="2400" dirty="0">
+                <a:latin typeface="Consolas" panose="020B0609020204030204" pitchFamily="49" charset="0"/>
+                <a:cs typeface="Consolas" panose="020B0609020204030204" pitchFamily="49" charset="0"/>
+              </a:rPr>
+              <a:t>……</a:t>
+            </a:r>
+            <a:endParaRPr kumimoji="1" lang="zh-CN" altLang="en-US" sz="2400" dirty="0">
+              <a:latin typeface="Consolas" panose="020B0609020204030204" pitchFamily="49" charset="0"/>
+              <a:cs typeface="Consolas" panose="020B0609020204030204" pitchFamily="49" charset="0"/>
+            </a:endParaRPr>
+          </a:p>
+        </p:txBody>
+      </p:sp>
+      <p:sp>
+        <p:nvSpPr>
+          <p:cNvPr id="156" name="TextBox 155">
+            <a:extLst>
+              <a:ext uri="{FF2B5EF4-FFF2-40B4-BE49-F238E27FC236}">
+                <a16:creationId xmlns:a16="http://schemas.microsoft.com/office/drawing/2014/main" id="{067CCF35-DD7D-D78A-F584-C5EE41F710DD}"/>
+              </a:ext>
+            </a:extLst>
+          </p:cNvPr>
+          <p:cNvSpPr txBox="1"/>
+          <p:nvPr/>
+        </p:nvSpPr>
+        <p:spPr>
+          <a:xfrm>
+            <a:off x="1515378" y="4436706"/>
+            <a:ext cx="500458" cy="461665"/>
+          </a:xfrm>
+          <a:prstGeom prst="rect">
+            <a:avLst/>
+          </a:prstGeom>
+          <a:noFill/>
+        </p:spPr>
+        <p:txBody>
+          <a:bodyPr wrap="none" rtlCol="0">
+            <a:spAutoFit/>
+          </a:bodyPr>
+          <a:lstStyle/>
+          <a:p>
+            <a:r>
+              <a:rPr lang="en-JP" sz="2400" i="1" dirty="0"/>
+              <a:t>M</a:t>
+            </a:r>
+            <a:r>
+              <a:rPr lang="ja-JP" altLang="en-US"/>
+              <a:t> </a:t>
+            </a:r>
+            <a:endParaRPr lang="en-JP" dirty="0"/>
+          </a:p>
+        </p:txBody>
+      </p:sp>
+      <p:sp>
+        <p:nvSpPr>
+          <p:cNvPr id="157" name="矩形 50">
+            <a:extLst>
+              <a:ext uri="{FF2B5EF4-FFF2-40B4-BE49-F238E27FC236}">
+                <a16:creationId xmlns:a16="http://schemas.microsoft.com/office/drawing/2014/main" id="{6C1EA58C-9D7F-57C8-D8CB-D545ED5A2E15}"/>
+              </a:ext>
+            </a:extLst>
+          </p:cNvPr>
+          <p:cNvSpPr/>
+          <p:nvPr/>
+        </p:nvSpPr>
+        <p:spPr>
+          <a:xfrm>
+            <a:off x="345441" y="6644911"/>
+            <a:ext cx="7359016" cy="2540445"/>
+          </a:xfrm>
+          <a:prstGeom prst="rect">
+            <a:avLst/>
+          </a:prstGeom>
+          <a:noFill/>
+          <a:ln w="57150">
+            <a:solidFill>
+              <a:schemeClr val="bg1">
+                <a:lumMod val="65000"/>
+              </a:schemeClr>
+            </a:solidFill>
+            <a:prstDash val="dash"/>
+          </a:ln>
+        </p:spPr>
+        <p:style>
+          <a:lnRef idx="2">
+            <a:schemeClr val="accent1">
+              <a:shade val="50000"/>
+            </a:schemeClr>
+          </a:lnRef>
+          <a:fillRef idx="1">
+            <a:schemeClr val="accent1"/>
+          </a:fillRef>
+          <a:effectRef idx="0">
+            <a:schemeClr val="accent1"/>
+          </a:effectRef>
+          <a:fontRef idx="minor">
+            <a:schemeClr val="lt1"/>
+          </a:fontRef>
+        </p:style>
+        <p:txBody>
+          <a:bodyPr rtlCol="0" anchor="ctr"/>
+          <a:lstStyle/>
+          <a:p>
+            <a:pPr algn="ctr"/>
+            <a:endParaRPr kumimoji="1" lang="zh-CN" altLang="en-US"/>
+          </a:p>
+        </p:txBody>
+      </p:sp>
+      <p:sp>
+        <p:nvSpPr>
+          <p:cNvPr id="158" name="文本框 5">
+            <a:extLst>
+              <a:ext uri="{FF2B5EF4-FFF2-40B4-BE49-F238E27FC236}">
+                <a16:creationId xmlns:a16="http://schemas.microsoft.com/office/drawing/2014/main" id="{0ABEE1A3-6914-FB6E-94FF-F64890772507}"/>
+              </a:ext>
+            </a:extLst>
+          </p:cNvPr>
+          <p:cNvSpPr txBox="1"/>
+          <p:nvPr/>
+        </p:nvSpPr>
+        <p:spPr>
+          <a:xfrm>
+            <a:off x="6869793" y="6602296"/>
+            <a:ext cx="792409" cy="382953"/>
+          </a:xfrm>
+          <a:prstGeom prst="rect">
+            <a:avLst/>
+          </a:prstGeom>
+          <a:noFill/>
+        </p:spPr>
+        <p:txBody>
+          <a:bodyPr wrap="square" rtlCol="0">
+            <a:spAutoFit/>
+          </a:bodyPr>
+          <a:lstStyle/>
+          <a:p>
+            <a:pPr algn="ctr"/>
+            <a:r>
+              <a:rPr kumimoji="1" lang="en-US" altLang="zh-CN" b="1" dirty="0">
+                <a:latin typeface="Consolas" panose="020B0609020204030204" pitchFamily="49" charset="0"/>
+                <a:cs typeface="Consolas" panose="020B0609020204030204" pitchFamily="49" charset="0"/>
+              </a:rPr>
+              <a:t>Node</a:t>
+            </a:r>
+            <a:endParaRPr kumimoji="1" lang="zh-CN" altLang="en-US" b="1" dirty="0">
+              <a:latin typeface="Consolas" panose="020B0609020204030204" pitchFamily="49" charset="0"/>
+              <a:cs typeface="Consolas" panose="020B0609020204030204" pitchFamily="49" charset="0"/>
+            </a:endParaRPr>
+          </a:p>
+        </p:txBody>
+      </p:sp>
+      <p:cxnSp>
+        <p:nvCxnSpPr>
+          <p:cNvPr id="159" name="直线箭头连接符 18">
+            <a:extLst>
+              <a:ext uri="{FF2B5EF4-FFF2-40B4-BE49-F238E27FC236}">
+                <a16:creationId xmlns:a16="http://schemas.microsoft.com/office/drawing/2014/main" id="{DA864106-E78D-715E-8E77-4AC1F64A39D8}"/>
+              </a:ext>
+            </a:extLst>
+          </p:cNvPr>
+          <p:cNvCxnSpPr>
+            <a:cxnSpLocks/>
+            <a:stCxn id="163" idx="3"/>
+            <a:endCxn id="175" idx="1"/>
+          </p:cNvCxnSpPr>
+          <p:nvPr/>
+        </p:nvCxnSpPr>
+        <p:spPr>
+          <a:xfrm>
+            <a:off x="1585551" y="7366105"/>
+            <a:ext cx="1803273" cy="420922"/>
+          </a:xfrm>
+          <a:prstGeom prst="straightConnector1">
+            <a:avLst/>
+          </a:prstGeom>
+          <a:ln w="38100">
+            <a:headEnd type="triangle"/>
+            <a:tailEnd type="triangle"/>
+          </a:ln>
+        </p:spPr>
+        <p:style>
+          <a:lnRef idx="3">
+            <a:schemeClr val="dk1"/>
+          </a:lnRef>
+          <a:fillRef idx="0">
+            <a:schemeClr val="dk1"/>
+          </a:fillRef>
+          <a:effectRef idx="2">
+            <a:schemeClr val="dk1"/>
+          </a:effectRef>
+          <a:fontRef idx="minor">
+            <a:schemeClr val="tx1"/>
+          </a:fontRef>
+        </p:style>
+      </p:cxnSp>
+      <p:cxnSp>
+        <p:nvCxnSpPr>
+          <p:cNvPr id="160" name="直线箭头连接符 19">
+            <a:extLst>
+              <a:ext uri="{FF2B5EF4-FFF2-40B4-BE49-F238E27FC236}">
+                <a16:creationId xmlns:a16="http://schemas.microsoft.com/office/drawing/2014/main" id="{0E8E3EF1-9147-04E1-DA33-ADBE43FCCA58}"/>
+              </a:ext>
+            </a:extLst>
+          </p:cNvPr>
+          <p:cNvCxnSpPr>
+            <a:cxnSpLocks/>
+            <a:stCxn id="167" idx="3"/>
+            <a:endCxn id="175" idx="1"/>
+          </p:cNvCxnSpPr>
+          <p:nvPr/>
+        </p:nvCxnSpPr>
+        <p:spPr>
+          <a:xfrm flipV="1">
+            <a:off x="1585551" y="7787027"/>
+            <a:ext cx="1803273" cy="916284"/>
+          </a:xfrm>
+          <a:prstGeom prst="straightConnector1">
+            <a:avLst/>
+          </a:prstGeom>
+          <a:ln w="38100">
+            <a:headEnd type="triangle"/>
+            <a:tailEnd type="triangle"/>
+          </a:ln>
+        </p:spPr>
+        <p:style>
+          <a:lnRef idx="3">
+            <a:schemeClr val="dk1"/>
+          </a:lnRef>
+          <a:fillRef idx="0">
+            <a:schemeClr val="dk1"/>
+          </a:fillRef>
+          <a:effectRef idx="2">
+            <a:schemeClr val="dk1"/>
+          </a:effectRef>
+          <a:fontRef idx="minor">
+            <a:schemeClr val="tx1"/>
+          </a:fontRef>
+        </p:style>
+      </p:cxnSp>
+      <p:cxnSp>
+        <p:nvCxnSpPr>
+          <p:cNvPr id="161" name="直线箭头连接符 47">
+            <a:extLst>
+              <a:ext uri="{FF2B5EF4-FFF2-40B4-BE49-F238E27FC236}">
+                <a16:creationId xmlns:a16="http://schemas.microsoft.com/office/drawing/2014/main" id="{3CD369F7-C575-8AF1-BB47-959B74EB248C}"/>
+              </a:ext>
+            </a:extLst>
+          </p:cNvPr>
+          <p:cNvCxnSpPr>
+            <a:cxnSpLocks/>
+            <a:stCxn id="175" idx="3"/>
+          </p:cNvCxnSpPr>
+          <p:nvPr/>
+        </p:nvCxnSpPr>
+        <p:spPr>
+          <a:xfrm flipV="1">
+            <a:off x="4468824" y="7781048"/>
+            <a:ext cx="1345077" cy="5979"/>
+          </a:xfrm>
+          <a:prstGeom prst="straightConnector1">
+            <a:avLst/>
+          </a:prstGeom>
+          <a:ln w="38100">
+            <a:headEnd type="triangle"/>
+            <a:tailEnd type="triangle"/>
+          </a:ln>
+        </p:spPr>
+        <p:style>
+          <a:lnRef idx="3">
+            <a:schemeClr val="dk1"/>
+          </a:lnRef>
+          <a:fillRef idx="0">
+            <a:schemeClr val="dk1"/>
+          </a:fillRef>
+          <a:effectRef idx="2">
+            <a:schemeClr val="dk1"/>
+          </a:effectRef>
+          <a:fontRef idx="minor">
+            <a:schemeClr val="tx1"/>
+          </a:fontRef>
+        </p:style>
+      </p:cxnSp>
+      <p:grpSp>
+        <p:nvGrpSpPr>
+          <p:cNvPr id="162" name="Group 161">
+            <a:extLst>
+              <a:ext uri="{FF2B5EF4-FFF2-40B4-BE49-F238E27FC236}">
+                <a16:creationId xmlns:a16="http://schemas.microsoft.com/office/drawing/2014/main" id="{0935FA20-C6C1-8002-B56C-8C0103AA85E8}"/>
+              </a:ext>
+            </a:extLst>
+          </p:cNvPr>
+          <p:cNvGrpSpPr/>
+          <p:nvPr/>
+        </p:nvGrpSpPr>
+        <p:grpSpPr>
+          <a:xfrm>
+            <a:off x="497840" y="6743898"/>
+            <a:ext cx="1656079" cy="966490"/>
+            <a:chOff x="497840" y="723653"/>
+            <a:chExt cx="1656079" cy="966490"/>
+          </a:xfrm>
+        </p:grpSpPr>
+        <p:pic>
+          <p:nvPicPr>
+            <p:cNvPr id="163" name="图片 4">
+              <a:extLst>
+                <a:ext uri="{FF2B5EF4-FFF2-40B4-BE49-F238E27FC236}">
+                  <a16:creationId xmlns:a16="http://schemas.microsoft.com/office/drawing/2014/main" id="{C0875405-C661-14B5-5F25-FEC232E19ABC}"/>
+                </a:ext>
+              </a:extLst>
+            </p:cNvPr>
+            <p:cNvPicPr>
+              <a:picLocks noChangeAspect="1"/>
+            </p:cNvPicPr>
+            <p:nvPr/>
+          </p:nvPicPr>
+          <p:blipFill>
+            <a:blip r:embed="rId2"/>
+            <a:srcRect/>
+            <a:stretch/>
+          </p:blipFill>
+          <p:spPr>
+            <a:xfrm>
+              <a:off x="981119" y="1043644"/>
+              <a:ext cx="604432" cy="604432"/>
+            </a:xfrm>
+            <a:prstGeom prst="rect">
+              <a:avLst/>
+            </a:prstGeom>
+          </p:spPr>
+        </p:pic>
+        <p:sp>
+          <p:nvSpPr>
+            <p:cNvPr id="164" name="矩形 50">
+              <a:extLst>
+                <a:ext uri="{FF2B5EF4-FFF2-40B4-BE49-F238E27FC236}">
+                  <a16:creationId xmlns:a16="http://schemas.microsoft.com/office/drawing/2014/main" id="{300AA636-54F6-CB16-E1D7-97A6D7DC06A2}"/>
+                </a:ext>
+              </a:extLst>
+            </p:cNvPr>
+            <p:cNvSpPr/>
+            <p:nvPr/>
+          </p:nvSpPr>
+          <p:spPr>
+            <a:xfrm>
+              <a:off x="497840" y="777067"/>
+              <a:ext cx="1656079" cy="913076"/>
+            </a:xfrm>
+            <a:prstGeom prst="rect">
+              <a:avLst/>
+            </a:prstGeom>
+            <a:noFill/>
+            <a:ln w="57150">
+              <a:solidFill>
+                <a:schemeClr val="bg1">
+                  <a:lumMod val="65000"/>
+                </a:schemeClr>
+              </a:solidFill>
+              <a:prstDash val="sysDot"/>
+            </a:ln>
+          </p:spPr>
+          <p:style>
+            <a:lnRef idx="2">
+              <a:schemeClr val="accent1">
+                <a:shade val="50000"/>
+              </a:schemeClr>
+            </a:lnRef>
+            <a:fillRef idx="1">
+              <a:schemeClr val="accent1"/>
+            </a:fillRef>
+            <a:effectRef idx="0">
+              <a:schemeClr val="accent1"/>
+            </a:effectRef>
+            <a:fontRef idx="minor">
+              <a:schemeClr val="lt1"/>
+            </a:fontRef>
+          </p:style>
+          <p:txBody>
+            <a:bodyPr rtlCol="0" anchor="ctr"/>
+            <a:lstStyle/>
+            <a:p>
+              <a:pPr algn="ctr"/>
+              <a:endParaRPr kumimoji="1" lang="zh-CN" altLang="en-US"/>
+            </a:p>
+          </p:txBody>
+        </p:sp>
+        <p:sp>
+          <p:nvSpPr>
+            <p:cNvPr id="165" name="文本框 5">
+              <a:extLst>
+                <a:ext uri="{FF2B5EF4-FFF2-40B4-BE49-F238E27FC236}">
+                  <a16:creationId xmlns:a16="http://schemas.microsoft.com/office/drawing/2014/main" id="{58C5BA44-786F-C1EF-6A42-4D7D176FB591}"/>
+                </a:ext>
+              </a:extLst>
+            </p:cNvPr>
+            <p:cNvSpPr txBox="1"/>
+            <p:nvPr/>
+          </p:nvSpPr>
+          <p:spPr>
+            <a:xfrm>
+              <a:off x="507402" y="723653"/>
+              <a:ext cx="1557360" cy="369332"/>
+            </a:xfrm>
+            <a:prstGeom prst="rect">
+              <a:avLst/>
+            </a:prstGeom>
+            <a:noFill/>
+          </p:spPr>
+          <p:txBody>
+            <a:bodyPr wrap="square" rtlCol="0">
+              <a:spAutoFit/>
+            </a:bodyPr>
+            <a:lstStyle/>
+            <a:p>
+              <a:pPr algn="ctr"/>
+              <a:r>
+                <a:rPr kumimoji="1" lang="en-US" altLang="zh-CN" b="1" dirty="0">
+                  <a:latin typeface="Consolas" panose="020B0609020204030204" pitchFamily="49" charset="0"/>
+                  <a:cs typeface="Consolas" panose="020B0609020204030204" pitchFamily="49" charset="0"/>
+                </a:rPr>
+                <a:t>Sensor</a:t>
+              </a:r>
+              <a:r>
+                <a:rPr kumimoji="1" lang="ja-JP" altLang="en-US" b="1">
+                  <a:latin typeface="Consolas" panose="020B0609020204030204" pitchFamily="49" charset="0"/>
+                  <a:cs typeface="Consolas" panose="020B0609020204030204" pitchFamily="49" charset="0"/>
+                </a:rPr>
+                <a:t> </a:t>
+              </a:r>
+              <a:r>
+                <a:rPr kumimoji="1" lang="en-US" altLang="zh-CN" b="1" dirty="0">
+                  <a:latin typeface="Consolas" panose="020B0609020204030204" pitchFamily="49" charset="0"/>
+                  <a:cs typeface="Consolas" panose="020B0609020204030204" pitchFamily="49" charset="0"/>
+                </a:rPr>
+                <a:t>Pod</a:t>
+              </a:r>
+              <a:endParaRPr kumimoji="1" lang="zh-CN" altLang="en-US" b="1" dirty="0">
+                <a:latin typeface="Consolas" panose="020B0609020204030204" pitchFamily="49" charset="0"/>
+                <a:cs typeface="Consolas" panose="020B0609020204030204" pitchFamily="49" charset="0"/>
+              </a:endParaRPr>
+            </a:p>
+          </p:txBody>
+        </p:sp>
+      </p:grpSp>
+      <p:grpSp>
+        <p:nvGrpSpPr>
+          <p:cNvPr id="166" name="Group 165">
+            <a:extLst>
+              <a:ext uri="{FF2B5EF4-FFF2-40B4-BE49-F238E27FC236}">
+                <a16:creationId xmlns:a16="http://schemas.microsoft.com/office/drawing/2014/main" id="{D7763BE5-EF62-FF03-7A14-82BB6B56C196}"/>
+              </a:ext>
+            </a:extLst>
+          </p:cNvPr>
+          <p:cNvGrpSpPr/>
+          <p:nvPr/>
+        </p:nvGrpSpPr>
+        <p:grpSpPr>
+          <a:xfrm>
+            <a:off x="497840" y="8081104"/>
+            <a:ext cx="1656079" cy="966490"/>
+            <a:chOff x="497840" y="723653"/>
+            <a:chExt cx="1656079" cy="966490"/>
+          </a:xfrm>
+        </p:grpSpPr>
+        <p:pic>
+          <p:nvPicPr>
+            <p:cNvPr id="167" name="图片 4">
+              <a:extLst>
+                <a:ext uri="{FF2B5EF4-FFF2-40B4-BE49-F238E27FC236}">
+                  <a16:creationId xmlns:a16="http://schemas.microsoft.com/office/drawing/2014/main" id="{C9FF575F-8EA0-8C89-53FF-45D2472B6494}"/>
+                </a:ext>
+              </a:extLst>
+            </p:cNvPr>
+            <p:cNvPicPr>
+              <a:picLocks noChangeAspect="1"/>
+            </p:cNvPicPr>
+            <p:nvPr/>
+          </p:nvPicPr>
+          <p:blipFill>
+            <a:blip r:embed="rId2"/>
+            <a:srcRect/>
+            <a:stretch/>
+          </p:blipFill>
+          <p:spPr>
+            <a:xfrm>
+              <a:off x="981119" y="1043644"/>
+              <a:ext cx="604432" cy="604432"/>
+            </a:xfrm>
+            <a:prstGeom prst="rect">
+              <a:avLst/>
+            </a:prstGeom>
+          </p:spPr>
+        </p:pic>
+        <p:sp>
+          <p:nvSpPr>
+            <p:cNvPr id="168" name="矩形 50">
+              <a:extLst>
+                <a:ext uri="{FF2B5EF4-FFF2-40B4-BE49-F238E27FC236}">
+                  <a16:creationId xmlns:a16="http://schemas.microsoft.com/office/drawing/2014/main" id="{021A7C03-C795-78F6-CBBE-B9089738F6D8}"/>
+                </a:ext>
+              </a:extLst>
+            </p:cNvPr>
+            <p:cNvSpPr/>
+            <p:nvPr/>
+          </p:nvSpPr>
+          <p:spPr>
+            <a:xfrm>
+              <a:off x="497840" y="777067"/>
+              <a:ext cx="1656079" cy="913076"/>
+            </a:xfrm>
+            <a:prstGeom prst="rect">
+              <a:avLst/>
+            </a:prstGeom>
+            <a:noFill/>
+            <a:ln w="57150">
+              <a:solidFill>
+                <a:schemeClr val="bg1">
+                  <a:lumMod val="65000"/>
+                </a:schemeClr>
+              </a:solidFill>
+              <a:prstDash val="sysDot"/>
+            </a:ln>
+          </p:spPr>
+          <p:style>
+            <a:lnRef idx="2">
+              <a:schemeClr val="accent1">
+                <a:shade val="50000"/>
+              </a:schemeClr>
+            </a:lnRef>
+            <a:fillRef idx="1">
+              <a:schemeClr val="accent1"/>
+            </a:fillRef>
+            <a:effectRef idx="0">
+              <a:schemeClr val="accent1"/>
+            </a:effectRef>
+            <a:fontRef idx="minor">
+              <a:schemeClr val="lt1"/>
+            </a:fontRef>
+          </p:style>
+          <p:txBody>
+            <a:bodyPr rtlCol="0" anchor="ctr"/>
+            <a:lstStyle/>
+            <a:p>
+              <a:pPr algn="ctr"/>
+              <a:endParaRPr kumimoji="1" lang="zh-CN" altLang="en-US"/>
+            </a:p>
+          </p:txBody>
+        </p:sp>
+        <p:sp>
+          <p:nvSpPr>
+            <p:cNvPr id="169" name="文本框 5">
+              <a:extLst>
+                <a:ext uri="{FF2B5EF4-FFF2-40B4-BE49-F238E27FC236}">
+                  <a16:creationId xmlns:a16="http://schemas.microsoft.com/office/drawing/2014/main" id="{E823105D-7F89-C21B-575A-206E1B5A3C8C}"/>
+                </a:ext>
+              </a:extLst>
+            </p:cNvPr>
+            <p:cNvSpPr txBox="1"/>
+            <p:nvPr/>
+          </p:nvSpPr>
+          <p:spPr>
+            <a:xfrm>
+              <a:off x="507402" y="723653"/>
+              <a:ext cx="1557360" cy="369332"/>
+            </a:xfrm>
+            <a:prstGeom prst="rect">
+              <a:avLst/>
+            </a:prstGeom>
+            <a:noFill/>
+          </p:spPr>
+          <p:txBody>
+            <a:bodyPr wrap="square" rtlCol="0">
+              <a:spAutoFit/>
+            </a:bodyPr>
+            <a:lstStyle/>
+            <a:p>
+              <a:pPr algn="ctr"/>
+              <a:r>
+                <a:rPr kumimoji="1" lang="en-US" altLang="zh-CN" b="1" dirty="0">
+                  <a:latin typeface="Consolas" panose="020B0609020204030204" pitchFamily="49" charset="0"/>
+                  <a:cs typeface="Consolas" panose="020B0609020204030204" pitchFamily="49" charset="0"/>
+                </a:rPr>
+                <a:t>Sensor</a:t>
+              </a:r>
+              <a:r>
+                <a:rPr kumimoji="1" lang="ja-JP" altLang="en-US" b="1">
+                  <a:latin typeface="Consolas" panose="020B0609020204030204" pitchFamily="49" charset="0"/>
+                  <a:cs typeface="Consolas" panose="020B0609020204030204" pitchFamily="49" charset="0"/>
+                </a:rPr>
+                <a:t> </a:t>
+              </a:r>
+              <a:r>
+                <a:rPr kumimoji="1" lang="en-US" altLang="zh-CN" b="1" dirty="0">
+                  <a:latin typeface="Consolas" panose="020B0609020204030204" pitchFamily="49" charset="0"/>
+                  <a:cs typeface="Consolas" panose="020B0609020204030204" pitchFamily="49" charset="0"/>
+                </a:rPr>
+                <a:t>Pod</a:t>
+              </a:r>
+              <a:endParaRPr kumimoji="1" lang="zh-CN" altLang="en-US" b="1" dirty="0">
+                <a:latin typeface="Consolas" panose="020B0609020204030204" pitchFamily="49" charset="0"/>
+                <a:cs typeface="Consolas" panose="020B0609020204030204" pitchFamily="49" charset="0"/>
+              </a:endParaRPr>
+            </a:p>
+          </p:txBody>
+        </p:sp>
+      </p:grpSp>
+      <p:grpSp>
+        <p:nvGrpSpPr>
+          <p:cNvPr id="170" name="Group 169">
+            <a:extLst>
+              <a:ext uri="{FF2B5EF4-FFF2-40B4-BE49-F238E27FC236}">
+                <a16:creationId xmlns:a16="http://schemas.microsoft.com/office/drawing/2014/main" id="{EFF837E1-16FA-1AE2-473D-A86D1FC91B60}"/>
+              </a:ext>
+            </a:extLst>
+          </p:cNvPr>
+          <p:cNvGrpSpPr/>
+          <p:nvPr/>
+        </p:nvGrpSpPr>
+        <p:grpSpPr>
+          <a:xfrm>
+            <a:off x="5537138" y="7185076"/>
+            <a:ext cx="1656079" cy="966490"/>
+            <a:chOff x="497840" y="723653"/>
+            <a:chExt cx="1656079" cy="966490"/>
+          </a:xfrm>
+        </p:grpSpPr>
+        <p:pic>
+          <p:nvPicPr>
+            <p:cNvPr id="171" name="图片 4">
+              <a:extLst>
+                <a:ext uri="{FF2B5EF4-FFF2-40B4-BE49-F238E27FC236}">
+                  <a16:creationId xmlns:a16="http://schemas.microsoft.com/office/drawing/2014/main" id="{7A327E7A-4770-60EE-D2F4-888276E7F971}"/>
+                </a:ext>
+              </a:extLst>
+            </p:cNvPr>
+            <p:cNvPicPr>
+              <a:picLocks noChangeAspect="1"/>
+            </p:cNvPicPr>
+            <p:nvPr/>
+          </p:nvPicPr>
+          <p:blipFill>
+            <a:blip r:embed="rId2"/>
+            <a:srcRect/>
+            <a:stretch/>
+          </p:blipFill>
+          <p:spPr>
+            <a:xfrm>
+              <a:off x="981119" y="1043644"/>
+              <a:ext cx="604432" cy="604432"/>
+            </a:xfrm>
+            <a:prstGeom prst="rect">
+              <a:avLst/>
+            </a:prstGeom>
+          </p:spPr>
+        </p:pic>
+        <p:sp>
+          <p:nvSpPr>
+            <p:cNvPr id="172" name="矩形 50">
+              <a:extLst>
+                <a:ext uri="{FF2B5EF4-FFF2-40B4-BE49-F238E27FC236}">
+                  <a16:creationId xmlns:a16="http://schemas.microsoft.com/office/drawing/2014/main" id="{AF3E9693-50DB-627A-E9AF-9DA3EA36967E}"/>
+                </a:ext>
+              </a:extLst>
+            </p:cNvPr>
+            <p:cNvSpPr/>
+            <p:nvPr/>
+          </p:nvSpPr>
+          <p:spPr>
+            <a:xfrm>
+              <a:off x="497840" y="777067"/>
+              <a:ext cx="1656079" cy="913076"/>
+            </a:xfrm>
+            <a:prstGeom prst="rect">
+              <a:avLst/>
+            </a:prstGeom>
+            <a:noFill/>
+            <a:ln w="57150">
+              <a:solidFill>
+                <a:schemeClr val="bg1">
+                  <a:lumMod val="65000"/>
+                </a:schemeClr>
+              </a:solidFill>
+              <a:prstDash val="sysDot"/>
+            </a:ln>
+          </p:spPr>
+          <p:style>
+            <a:lnRef idx="2">
+              <a:schemeClr val="accent1">
+                <a:shade val="50000"/>
+              </a:schemeClr>
+            </a:lnRef>
+            <a:fillRef idx="1">
+              <a:schemeClr val="accent1"/>
+            </a:fillRef>
+            <a:effectRef idx="0">
+              <a:schemeClr val="accent1"/>
+            </a:effectRef>
+            <a:fontRef idx="minor">
+              <a:schemeClr val="lt1"/>
+            </a:fontRef>
+          </p:style>
+          <p:txBody>
+            <a:bodyPr rtlCol="0" anchor="ctr"/>
+            <a:lstStyle/>
+            <a:p>
+              <a:pPr algn="ctr"/>
+              <a:endParaRPr kumimoji="1" lang="zh-CN" altLang="en-US"/>
+            </a:p>
+          </p:txBody>
+        </p:sp>
+        <p:sp>
+          <p:nvSpPr>
+            <p:cNvPr id="173" name="文本框 5">
+              <a:extLst>
+                <a:ext uri="{FF2B5EF4-FFF2-40B4-BE49-F238E27FC236}">
+                  <a16:creationId xmlns:a16="http://schemas.microsoft.com/office/drawing/2014/main" id="{94F6852D-F5E1-750B-C1DE-4064A0B34AE1}"/>
+                </a:ext>
+              </a:extLst>
+            </p:cNvPr>
+            <p:cNvSpPr txBox="1"/>
+            <p:nvPr/>
+          </p:nvSpPr>
+          <p:spPr>
+            <a:xfrm>
+              <a:off x="507402" y="723653"/>
+              <a:ext cx="1557360" cy="369332"/>
+            </a:xfrm>
+            <a:prstGeom prst="rect">
+              <a:avLst/>
+            </a:prstGeom>
+            <a:noFill/>
+          </p:spPr>
+          <p:txBody>
+            <a:bodyPr wrap="square" rtlCol="0">
+              <a:spAutoFit/>
+            </a:bodyPr>
+            <a:lstStyle/>
+            <a:p>
+              <a:pPr algn="ctr"/>
+              <a:r>
+                <a:rPr kumimoji="1" lang="en-US" altLang="ja-JP" b="1" dirty="0">
+                  <a:latin typeface="Consolas" panose="020B0609020204030204" pitchFamily="49" charset="0"/>
+                  <a:cs typeface="Consolas" panose="020B0609020204030204" pitchFamily="49" charset="0"/>
+                </a:rPr>
+                <a:t>Relay</a:t>
+              </a:r>
+              <a:r>
+                <a:rPr kumimoji="1" lang="ja-JP" altLang="en-US" b="1">
+                  <a:latin typeface="Consolas" panose="020B0609020204030204" pitchFamily="49" charset="0"/>
+                  <a:cs typeface="Consolas" panose="020B0609020204030204" pitchFamily="49" charset="0"/>
+                </a:rPr>
+                <a:t> </a:t>
+              </a:r>
+              <a:r>
+                <a:rPr kumimoji="1" lang="en-US" altLang="zh-CN" b="1" dirty="0">
+                  <a:latin typeface="Consolas" panose="020B0609020204030204" pitchFamily="49" charset="0"/>
+                  <a:cs typeface="Consolas" panose="020B0609020204030204" pitchFamily="49" charset="0"/>
+                </a:rPr>
+                <a:t>Pod</a:t>
+              </a:r>
+              <a:endParaRPr kumimoji="1" lang="zh-CN" altLang="en-US" b="1" dirty="0">
+                <a:latin typeface="Consolas" panose="020B0609020204030204" pitchFamily="49" charset="0"/>
+                <a:cs typeface="Consolas" panose="020B0609020204030204" pitchFamily="49" charset="0"/>
+              </a:endParaRPr>
+            </a:p>
+          </p:txBody>
+        </p:sp>
+      </p:grpSp>
+      <p:grpSp>
+        <p:nvGrpSpPr>
+          <p:cNvPr id="174" name="Group 173">
+            <a:extLst>
+              <a:ext uri="{FF2B5EF4-FFF2-40B4-BE49-F238E27FC236}">
+                <a16:creationId xmlns:a16="http://schemas.microsoft.com/office/drawing/2014/main" id="{92D07806-EF1E-C427-CC96-E2CAC31A4F39}"/>
+              </a:ext>
+            </a:extLst>
+          </p:cNvPr>
+          <p:cNvGrpSpPr/>
+          <p:nvPr/>
+        </p:nvGrpSpPr>
+        <p:grpSpPr>
+          <a:xfrm>
+            <a:off x="3131407" y="6945729"/>
+            <a:ext cx="1656079" cy="1511003"/>
+            <a:chOff x="3131407" y="925484"/>
+            <a:chExt cx="1656079" cy="1511003"/>
+          </a:xfrm>
+        </p:grpSpPr>
+        <p:pic>
+          <p:nvPicPr>
+            <p:cNvPr id="175" name="图片 2">
+              <a:extLst>
+                <a:ext uri="{FF2B5EF4-FFF2-40B4-BE49-F238E27FC236}">
+                  <a16:creationId xmlns:a16="http://schemas.microsoft.com/office/drawing/2014/main" id="{EE0786C9-B20E-5B9C-828E-B70FAE006984}"/>
+                </a:ext>
+              </a:extLst>
+            </p:cNvPr>
+            <p:cNvPicPr>
+              <a:picLocks noChangeAspect="1"/>
+            </p:cNvPicPr>
+            <p:nvPr/>
+          </p:nvPicPr>
+          <p:blipFill>
+            <a:blip r:embed="rId3"/>
+            <a:srcRect/>
+            <a:stretch/>
+          </p:blipFill>
+          <p:spPr>
+            <a:xfrm>
+              <a:off x="3388824" y="1226782"/>
+              <a:ext cx="1080000" cy="1080000"/>
+            </a:xfrm>
+            <a:prstGeom prst="rect">
+              <a:avLst/>
+            </a:prstGeom>
+          </p:spPr>
+        </p:pic>
+        <p:sp>
+          <p:nvSpPr>
+            <p:cNvPr id="176" name="矩形 50">
+              <a:extLst>
+                <a:ext uri="{FF2B5EF4-FFF2-40B4-BE49-F238E27FC236}">
+                  <a16:creationId xmlns:a16="http://schemas.microsoft.com/office/drawing/2014/main" id="{697F4E55-F7A0-9DA6-5DF8-6301B0E3D12C}"/>
+                </a:ext>
+              </a:extLst>
+            </p:cNvPr>
+            <p:cNvSpPr/>
+            <p:nvPr/>
+          </p:nvSpPr>
+          <p:spPr>
+            <a:xfrm>
+              <a:off x="3131407" y="925484"/>
+              <a:ext cx="1656079" cy="1511003"/>
+            </a:xfrm>
+            <a:prstGeom prst="rect">
+              <a:avLst/>
+            </a:prstGeom>
+            <a:noFill/>
+            <a:ln w="57150">
+              <a:solidFill>
+                <a:schemeClr val="bg1">
+                  <a:lumMod val="65000"/>
+                </a:schemeClr>
+              </a:solidFill>
+              <a:prstDash val="sysDot"/>
+            </a:ln>
+          </p:spPr>
+          <p:style>
+            <a:lnRef idx="2">
+              <a:schemeClr val="accent1">
+                <a:shade val="50000"/>
+              </a:schemeClr>
+            </a:lnRef>
+            <a:fillRef idx="1">
+              <a:schemeClr val="accent1"/>
+            </a:fillRef>
+            <a:effectRef idx="0">
+              <a:schemeClr val="accent1"/>
+            </a:effectRef>
+            <a:fontRef idx="minor">
+              <a:schemeClr val="lt1"/>
+            </a:fontRef>
+          </p:style>
+          <p:txBody>
+            <a:bodyPr rtlCol="0" anchor="ctr"/>
+            <a:lstStyle/>
+            <a:p>
+              <a:pPr algn="ctr"/>
+              <a:endParaRPr kumimoji="1" lang="zh-CN" altLang="en-US"/>
+            </a:p>
+          </p:txBody>
+        </p:sp>
+        <p:sp>
+          <p:nvSpPr>
+            <p:cNvPr id="177" name="文本框 5">
+              <a:extLst>
+                <a:ext uri="{FF2B5EF4-FFF2-40B4-BE49-F238E27FC236}">
+                  <a16:creationId xmlns:a16="http://schemas.microsoft.com/office/drawing/2014/main" id="{7C431AC1-CC61-07D9-A3E5-0E9B0EECCD8F}"/>
+                </a:ext>
+              </a:extLst>
+            </p:cNvPr>
+            <p:cNvSpPr txBox="1"/>
+            <p:nvPr/>
+          </p:nvSpPr>
+          <p:spPr>
+            <a:xfrm>
+              <a:off x="3131407" y="933626"/>
+              <a:ext cx="1611151" cy="369332"/>
+            </a:xfrm>
+            <a:prstGeom prst="rect">
+              <a:avLst/>
+            </a:prstGeom>
+            <a:noFill/>
+          </p:spPr>
+          <p:txBody>
+            <a:bodyPr wrap="square" rtlCol="0">
+              <a:spAutoFit/>
+            </a:bodyPr>
+            <a:lstStyle/>
+            <a:p>
+              <a:pPr algn="ctr"/>
+              <a:r>
+                <a:rPr kumimoji="1" lang="en-US" altLang="ja-JP" b="1" dirty="0">
+                  <a:latin typeface="Consolas" panose="020B0609020204030204" pitchFamily="49" charset="0"/>
+                  <a:cs typeface="Consolas" panose="020B0609020204030204" pitchFamily="49" charset="0"/>
+                </a:rPr>
+                <a:t>Edge Broker</a:t>
+              </a:r>
+              <a:endParaRPr kumimoji="1" lang="zh-CN" altLang="en-US" b="1" dirty="0">
+                <a:latin typeface="Consolas" panose="020B0609020204030204" pitchFamily="49" charset="0"/>
+                <a:cs typeface="Consolas" panose="020B0609020204030204" pitchFamily="49" charset="0"/>
+              </a:endParaRPr>
+            </a:p>
+          </p:txBody>
+        </p:sp>
+      </p:grpSp>
+      <p:sp>
+        <p:nvSpPr>
+          <p:cNvPr id="178" name="文本框 10">
+            <a:extLst>
+              <a:ext uri="{FF2B5EF4-FFF2-40B4-BE49-F238E27FC236}">
+                <a16:creationId xmlns:a16="http://schemas.microsoft.com/office/drawing/2014/main" id="{C583A094-9B17-2A41-9264-0751A73C0E8A}"/>
+              </a:ext>
+            </a:extLst>
+          </p:cNvPr>
+          <p:cNvSpPr txBox="1"/>
+          <p:nvPr/>
+        </p:nvSpPr>
+        <p:spPr>
+          <a:xfrm>
+            <a:off x="1082288" y="7729777"/>
+            <a:ext cx="553998" cy="489857"/>
+          </a:xfrm>
+          <a:prstGeom prst="rect">
+            <a:avLst/>
+          </a:prstGeom>
+          <a:noFill/>
+        </p:spPr>
+        <p:txBody>
+          <a:bodyPr vert="eaVert" wrap="square" rtlCol="0">
+            <a:spAutoFit/>
+          </a:bodyPr>
+          <a:lstStyle/>
+          <a:p>
+            <a:r>
+              <a:rPr kumimoji="1" lang="en-US" altLang="zh-CN" sz="2400" dirty="0">
+                <a:latin typeface="Consolas" panose="020B0609020204030204" pitchFamily="49" charset="0"/>
+                <a:cs typeface="Consolas" panose="020B0609020204030204" pitchFamily="49" charset="0"/>
+              </a:rPr>
+              <a:t>……</a:t>
+            </a:r>
+            <a:endParaRPr kumimoji="1" lang="zh-CN" altLang="en-US" sz="2400" dirty="0">
+              <a:latin typeface="Consolas" panose="020B0609020204030204" pitchFamily="49" charset="0"/>
+              <a:cs typeface="Consolas" panose="020B0609020204030204" pitchFamily="49" charset="0"/>
+            </a:endParaRPr>
+          </a:p>
+        </p:txBody>
+      </p:sp>
+      <p:sp>
+        <p:nvSpPr>
+          <p:cNvPr id="179" name="TextBox 178">
+            <a:extLst>
+              <a:ext uri="{FF2B5EF4-FFF2-40B4-BE49-F238E27FC236}">
+                <a16:creationId xmlns:a16="http://schemas.microsoft.com/office/drawing/2014/main" id="{79247AC4-ED2B-B0E9-88EF-A7C7D2DA8291}"/>
+              </a:ext>
+            </a:extLst>
+          </p:cNvPr>
+          <p:cNvSpPr txBox="1"/>
+          <p:nvPr/>
+        </p:nvSpPr>
+        <p:spPr>
+          <a:xfrm>
+            <a:off x="1515378" y="7734675"/>
+            <a:ext cx="500458" cy="461665"/>
+          </a:xfrm>
+          <a:prstGeom prst="rect">
+            <a:avLst/>
+          </a:prstGeom>
+          <a:noFill/>
+        </p:spPr>
+        <p:txBody>
+          <a:bodyPr wrap="none" rtlCol="0">
+            <a:spAutoFit/>
+          </a:bodyPr>
+          <a:lstStyle/>
+          <a:p>
+            <a:r>
+              <a:rPr lang="en-JP" sz="2400" i="1" dirty="0"/>
+              <a:t>M</a:t>
+            </a:r>
+            <a:r>
+              <a:rPr lang="ja-JP" altLang="en-US"/>
+              <a:t> </a:t>
+            </a:r>
+            <a:endParaRPr lang="en-JP" dirty="0"/>
+          </a:p>
+        </p:txBody>
+      </p:sp>
+    </p:spTree>
+    <p:extLst>
+      <p:ext uri="{BB962C8B-B14F-4D97-AF65-F5344CB8AC3E}">
+        <p14:creationId xmlns:p14="http://schemas.microsoft.com/office/powerpoint/2010/main" val="3021296384"/>
+      </p:ext>
+    </p:extLst>
+  </p:cSld>
+  <p:clrMapOvr>
+    <a:masterClrMapping/>
+  </p:clrMapOvr>
+</p:sld>
+</file>
+
+<file path=ppt/slides/slide16.xml><?xml version="1.0" encoding="utf-8"?>
+<p:sld xmlns:a="http://schemas.openxmlformats.org/drawingml/2006/main" xmlns:r="http://schemas.openxmlformats.org/officeDocument/2006/relationships" xmlns:p="http://schemas.openxmlformats.org/presentationml/2006/main">
+  <p:cSld>
+    <p:spTree>
+      <p:nvGrpSpPr>
         <p:cNvPr id="1" name=""/>
         <p:cNvGrpSpPr/>
         <p:nvPr/>
@@ -10185,7 +13668,7 @@
 </p:sld>
 </file>
 
-<file path=ppt/slides/slide16.xml><?xml version="1.0" encoding="utf-8"?>
+<file path=ppt/slides/slide17.xml><?xml version="1.0" encoding="utf-8"?>
 <p:sld xmlns:a="http://schemas.openxmlformats.org/drawingml/2006/main" xmlns:r="http://schemas.openxmlformats.org/officeDocument/2006/relationships" xmlns:p="http://schemas.openxmlformats.org/presentationml/2006/main">
   <p:cSld>
     <p:spTree>

--- a/figs.pptx
+++ b/figs.pptx
@@ -21,7 +21,8 @@
     <p:sldId id="257" r:id="rId15"/>
     <p:sldId id="400" r:id="rId16"/>
     <p:sldId id="398" r:id="rId17"/>
-    <p:sldId id="386" r:id="rId18"/>
+    <p:sldId id="401" r:id="rId18"/>
+    <p:sldId id="386" r:id="rId19"/>
   </p:sldIdLst>
   <p:sldSz cx="12192000" cy="6858000"/>
   <p:notesSz cx="6858000" cy="9144000"/>
@@ -13685,6 +13686,687 @@
           <a:chExt cx="0" cy="0"/>
         </a:xfrm>
       </p:grpSpPr>
+      <p:sp>
+        <p:nvSpPr>
+          <p:cNvPr id="4" name="Rounded Rectangle 3">
+            <a:extLst>
+              <a:ext uri="{FF2B5EF4-FFF2-40B4-BE49-F238E27FC236}">
+                <a16:creationId xmlns:a16="http://schemas.microsoft.com/office/drawing/2014/main" id="{F80528D3-0112-3522-481F-8BE3461BB048}"/>
+              </a:ext>
+            </a:extLst>
+          </p:cNvPr>
+          <p:cNvSpPr/>
+          <p:nvPr/>
+        </p:nvSpPr>
+        <p:spPr>
+          <a:xfrm>
+            <a:off x="5760720" y="2641600"/>
+            <a:ext cx="5628640" cy="3850640"/>
+          </a:xfrm>
+          <a:prstGeom prst="roundRect">
+            <a:avLst>
+              <a:gd name="adj" fmla="val 8751"/>
+            </a:avLst>
+          </a:prstGeom>
+          <a:ln w="76200"/>
+        </p:spPr>
+        <p:style>
+          <a:lnRef idx="2">
+            <a:schemeClr val="accent6"/>
+          </a:lnRef>
+          <a:fillRef idx="1">
+            <a:schemeClr val="lt1"/>
+          </a:fillRef>
+          <a:effectRef idx="0">
+            <a:schemeClr val="accent6"/>
+          </a:effectRef>
+          <a:fontRef idx="minor">
+            <a:schemeClr val="dk1"/>
+          </a:fontRef>
+        </p:style>
+        <p:txBody>
+          <a:bodyPr rtlCol="0" anchor="b" anchorCtr="1"/>
+          <a:lstStyle/>
+          <a:p>
+            <a:pPr algn="ctr"/>
+            <a:r>
+              <a:rPr lang="en-JP" dirty="0"/>
+              <a:t>Amazon EKS</a:t>
+            </a:r>
+          </a:p>
+        </p:txBody>
+      </p:sp>
+      <p:sp>
+        <p:nvSpPr>
+          <p:cNvPr id="5" name="Rounded Rectangle 4">
+            <a:extLst>
+              <a:ext uri="{FF2B5EF4-FFF2-40B4-BE49-F238E27FC236}">
+                <a16:creationId xmlns:a16="http://schemas.microsoft.com/office/drawing/2014/main" id="{D7F7B633-4A59-5CB8-0559-6D9F1223B699}"/>
+              </a:ext>
+            </a:extLst>
+          </p:cNvPr>
+          <p:cNvSpPr/>
+          <p:nvPr/>
+        </p:nvSpPr>
+        <p:spPr>
+          <a:xfrm>
+            <a:off x="3789680" y="162560"/>
+            <a:ext cx="2976880" cy="1432560"/>
+          </a:xfrm>
+          <a:prstGeom prst="roundRect">
+            <a:avLst/>
+          </a:prstGeom>
+          <a:noFill/>
+          <a:ln w="57150"/>
+        </p:spPr>
+        <p:style>
+          <a:lnRef idx="2">
+            <a:schemeClr val="accent1">
+              <a:shade val="15000"/>
+            </a:schemeClr>
+          </a:lnRef>
+          <a:fillRef idx="1">
+            <a:schemeClr val="accent1"/>
+          </a:fillRef>
+          <a:effectRef idx="0">
+            <a:schemeClr val="accent1"/>
+          </a:effectRef>
+          <a:fontRef idx="minor">
+            <a:schemeClr val="lt1"/>
+          </a:fontRef>
+        </p:style>
+        <p:txBody>
+          <a:bodyPr rtlCol="0" anchor="ctr"/>
+          <a:lstStyle/>
+          <a:p>
+            <a:pPr algn="ctr"/>
+            <a:r>
+              <a:rPr lang="en-JP" dirty="0"/>
+              <a:t>Docker Hub</a:t>
+            </a:r>
+          </a:p>
+        </p:txBody>
+      </p:sp>
+      <p:pic>
+        <p:nvPicPr>
+          <p:cNvPr id="6" name="Picture 5">
+            <a:extLst>
+              <a:ext uri="{FF2B5EF4-FFF2-40B4-BE49-F238E27FC236}">
+                <a16:creationId xmlns:a16="http://schemas.microsoft.com/office/drawing/2014/main" id="{E22283EC-6B8D-AF7A-DACE-E4E93603FD07}"/>
+              </a:ext>
+            </a:extLst>
+          </p:cNvPr>
+          <p:cNvPicPr>
+            <a:picLocks noChangeAspect="1"/>
+          </p:cNvPicPr>
+          <p:nvPr/>
+        </p:nvPicPr>
+        <p:blipFill>
+          <a:blip r:embed="rId2"/>
+          <a:stretch>
+            <a:fillRect/>
+          </a:stretch>
+        </p:blipFill>
+        <p:spPr>
+          <a:xfrm>
+            <a:off x="6441440" y="2962423"/>
+            <a:ext cx="4323080" cy="3209417"/>
+          </a:xfrm>
+          <a:prstGeom prst="rect">
+            <a:avLst/>
+          </a:prstGeom>
+        </p:spPr>
+      </p:pic>
+      <p:pic>
+        <p:nvPicPr>
+          <p:cNvPr id="8194" name="Picture 2">
+            <a:extLst>
+              <a:ext uri="{FF2B5EF4-FFF2-40B4-BE49-F238E27FC236}">
+                <a16:creationId xmlns:a16="http://schemas.microsoft.com/office/drawing/2014/main" id="{5EC5E08B-3122-B9CE-8729-DF7320EACDB8}"/>
+              </a:ext>
+            </a:extLst>
+          </p:cNvPr>
+          <p:cNvPicPr>
+            <a:picLocks noChangeAspect="1" noChangeArrowheads="1"/>
+          </p:cNvPicPr>
+          <p:nvPr/>
+        </p:nvPicPr>
+        <p:blipFill>
+          <a:blip r:embed="rId3">
+            <a:extLst>
+              <a:ext uri="{28A0092B-C50C-407E-A947-70E740481C1C}">
+                <a14:useLocalDpi xmlns:a14="http://schemas.microsoft.com/office/drawing/2010/main" val="0"/>
+              </a:ext>
+            </a:extLst>
+          </a:blip>
+          <a:srcRect/>
+          <a:stretch>
+            <a:fillRect/>
+          </a:stretch>
+        </p:blipFill>
+        <p:spPr bwMode="auto">
+          <a:xfrm>
+            <a:off x="2321978" y="3522955"/>
+            <a:ext cx="1564640" cy="1189171"/>
+          </a:xfrm>
+          <a:prstGeom prst="rect">
+            <a:avLst/>
+          </a:prstGeom>
+          <a:noFill/>
+          <a:extLst>
+            <a:ext uri="{909E8E84-426E-40DD-AFC4-6F175D3DCCD1}">
+              <a14:hiddenFill xmlns:a14="http://schemas.microsoft.com/office/drawing/2010/main">
+                <a:solidFill>
+                  <a:srgbClr val="FFFFFF"/>
+                </a:solidFill>
+              </a14:hiddenFill>
+            </a:ext>
+          </a:extLst>
+        </p:spPr>
+      </p:pic>
+      <p:pic>
+        <p:nvPicPr>
+          <p:cNvPr id="8" name="Picture 7" descr="A blue and black logo&#10;&#10;Description automatically generated">
+            <a:extLst>
+              <a:ext uri="{FF2B5EF4-FFF2-40B4-BE49-F238E27FC236}">
+                <a16:creationId xmlns:a16="http://schemas.microsoft.com/office/drawing/2014/main" id="{A88DAE10-0641-4159-3AA7-0036F98AA953}"/>
+              </a:ext>
+            </a:extLst>
+          </p:cNvPr>
+          <p:cNvPicPr>
+            <a:picLocks noChangeAspect="1"/>
+          </p:cNvPicPr>
+          <p:nvPr/>
+        </p:nvPicPr>
+        <p:blipFill>
+          <a:blip r:embed="rId4"/>
+          <a:stretch>
+            <a:fillRect/>
+          </a:stretch>
+        </p:blipFill>
+        <p:spPr>
+          <a:xfrm>
+            <a:off x="5587365" y="568960"/>
+            <a:ext cx="1007110" cy="1007110"/>
+          </a:xfrm>
+          <a:prstGeom prst="rect">
+            <a:avLst/>
+          </a:prstGeom>
+        </p:spPr>
+      </p:pic>
+      <p:sp>
+        <p:nvSpPr>
+          <p:cNvPr id="9" name="TextBox 8">
+            <a:extLst>
+              <a:ext uri="{FF2B5EF4-FFF2-40B4-BE49-F238E27FC236}">
+                <a16:creationId xmlns:a16="http://schemas.microsoft.com/office/drawing/2014/main" id="{A0B832DF-9FD5-ABCF-A99A-B5A56270E775}"/>
+              </a:ext>
+            </a:extLst>
+          </p:cNvPr>
+          <p:cNvSpPr txBox="1"/>
+          <p:nvPr/>
+        </p:nvSpPr>
+        <p:spPr>
+          <a:xfrm>
+            <a:off x="4256471" y="162560"/>
+            <a:ext cx="1886735" cy="523220"/>
+          </a:xfrm>
+          <a:prstGeom prst="rect">
+            <a:avLst/>
+          </a:prstGeom>
+          <a:noFill/>
+        </p:spPr>
+        <p:txBody>
+          <a:bodyPr wrap="none" rtlCol="0">
+            <a:spAutoFit/>
+          </a:bodyPr>
+          <a:lstStyle/>
+          <a:p>
+            <a:r>
+              <a:rPr lang="en-JP" sz="2800" dirty="0"/>
+              <a:t>Docker</a:t>
+            </a:r>
+            <a:r>
+              <a:rPr lang="ja-JP" altLang="en-US" sz="2800"/>
+              <a:t> </a:t>
+            </a:r>
+            <a:r>
+              <a:rPr lang="en-US" altLang="ja-JP" sz="2800" dirty="0"/>
+              <a:t>Hub</a:t>
+            </a:r>
+            <a:endParaRPr lang="en-JP" sz="2800" dirty="0"/>
+          </a:p>
+        </p:txBody>
+      </p:sp>
+      <p:pic>
+        <p:nvPicPr>
+          <p:cNvPr id="8196" name="Picture 4">
+            <a:extLst>
+              <a:ext uri="{FF2B5EF4-FFF2-40B4-BE49-F238E27FC236}">
+                <a16:creationId xmlns:a16="http://schemas.microsoft.com/office/drawing/2014/main" id="{914B3F4C-12C5-EB68-4A3E-BFDC507C6F25}"/>
+              </a:ext>
+            </a:extLst>
+          </p:cNvPr>
+          <p:cNvPicPr>
+            <a:picLocks noChangeAspect="1" noChangeArrowheads="1"/>
+          </p:cNvPicPr>
+          <p:nvPr/>
+        </p:nvPicPr>
+        <p:blipFill>
+          <a:blip r:embed="rId5">
+            <a:extLst>
+              <a:ext uri="{28A0092B-C50C-407E-A947-70E740481C1C}">
+                <a14:useLocalDpi xmlns:a14="http://schemas.microsoft.com/office/drawing/2010/main" val="0"/>
+              </a:ext>
+            </a:extLst>
+          </a:blip>
+          <a:srcRect/>
+          <a:stretch>
+            <a:fillRect/>
+          </a:stretch>
+        </p:blipFill>
+        <p:spPr bwMode="auto">
+          <a:xfrm>
+            <a:off x="1137920" y="3429000"/>
+            <a:ext cx="874597" cy="1377083"/>
+          </a:xfrm>
+          <a:prstGeom prst="rect">
+            <a:avLst/>
+          </a:prstGeom>
+          <a:noFill/>
+          <a:extLst>
+            <a:ext uri="{909E8E84-426E-40DD-AFC4-6F175D3DCCD1}">
+              <a14:hiddenFill xmlns:a14="http://schemas.microsoft.com/office/drawing/2010/main">
+                <a:solidFill>
+                  <a:srgbClr val="FFFFFF"/>
+                </a:solidFill>
+              </a14:hiddenFill>
+            </a:ext>
+          </a:extLst>
+        </p:spPr>
+      </p:pic>
+      <p:sp>
+        <p:nvSpPr>
+          <p:cNvPr id="10" name="Up Arrow 9">
+            <a:extLst>
+              <a:ext uri="{FF2B5EF4-FFF2-40B4-BE49-F238E27FC236}">
+                <a16:creationId xmlns:a16="http://schemas.microsoft.com/office/drawing/2014/main" id="{A3B0CB57-7B79-8F3F-BADE-5E905A52E4BA}"/>
+              </a:ext>
+            </a:extLst>
+          </p:cNvPr>
+          <p:cNvSpPr/>
+          <p:nvPr/>
+        </p:nvSpPr>
+        <p:spPr>
+          <a:xfrm rot="1682089">
+            <a:off x="3644229" y="1550697"/>
+            <a:ext cx="589280" cy="1818640"/>
+          </a:xfrm>
+          <a:prstGeom prst="upArrow">
+            <a:avLst/>
+          </a:prstGeom>
+          <a:solidFill>
+            <a:schemeClr val="bg1">
+              <a:lumMod val="75000"/>
+            </a:schemeClr>
+          </a:solidFill>
+        </p:spPr>
+        <p:style>
+          <a:lnRef idx="2">
+            <a:schemeClr val="accent1">
+              <a:shade val="15000"/>
+            </a:schemeClr>
+          </a:lnRef>
+          <a:fillRef idx="1">
+            <a:schemeClr val="accent1"/>
+          </a:fillRef>
+          <a:effectRef idx="0">
+            <a:schemeClr val="accent1"/>
+          </a:effectRef>
+          <a:fontRef idx="minor">
+            <a:schemeClr val="lt1"/>
+          </a:fontRef>
+        </p:style>
+        <p:txBody>
+          <a:bodyPr rtlCol="0" anchor="ctr"/>
+          <a:lstStyle/>
+          <a:p>
+            <a:pPr algn="ctr"/>
+            <a:endParaRPr lang="en-JP"/>
+          </a:p>
+        </p:txBody>
+      </p:sp>
+      <p:sp>
+        <p:nvSpPr>
+          <p:cNvPr id="11" name="Up Arrow 10">
+            <a:extLst>
+              <a:ext uri="{FF2B5EF4-FFF2-40B4-BE49-F238E27FC236}">
+                <a16:creationId xmlns:a16="http://schemas.microsoft.com/office/drawing/2014/main" id="{DBEF75DD-3828-FE79-39B5-848517D851A8}"/>
+              </a:ext>
+            </a:extLst>
+          </p:cNvPr>
+          <p:cNvSpPr/>
+          <p:nvPr/>
+        </p:nvSpPr>
+        <p:spPr>
+          <a:xfrm rot="5400000">
+            <a:off x="4501298" y="3208220"/>
+            <a:ext cx="589280" cy="1818640"/>
+          </a:xfrm>
+          <a:prstGeom prst="upArrow">
+            <a:avLst/>
+          </a:prstGeom>
+          <a:solidFill>
+            <a:schemeClr val="bg1">
+              <a:lumMod val="75000"/>
+            </a:schemeClr>
+          </a:solidFill>
+        </p:spPr>
+        <p:style>
+          <a:lnRef idx="2">
+            <a:schemeClr val="accent1">
+              <a:shade val="15000"/>
+            </a:schemeClr>
+          </a:lnRef>
+          <a:fillRef idx="1">
+            <a:schemeClr val="accent1"/>
+          </a:fillRef>
+          <a:effectRef idx="0">
+            <a:schemeClr val="accent1"/>
+          </a:effectRef>
+          <a:fontRef idx="minor">
+            <a:schemeClr val="lt1"/>
+          </a:fontRef>
+        </p:style>
+        <p:txBody>
+          <a:bodyPr rtlCol="0" anchor="ctr"/>
+          <a:lstStyle/>
+          <a:p>
+            <a:pPr algn="ctr"/>
+            <a:endParaRPr lang="en-JP"/>
+          </a:p>
+        </p:txBody>
+      </p:sp>
+      <p:cxnSp>
+        <p:nvCxnSpPr>
+          <p:cNvPr id="14" name="Straight Arrow Connector 13">
+            <a:extLst>
+              <a:ext uri="{FF2B5EF4-FFF2-40B4-BE49-F238E27FC236}">
+                <a16:creationId xmlns:a16="http://schemas.microsoft.com/office/drawing/2014/main" id="{E25DF868-2408-2C41-189A-2B5C2010559F}"/>
+              </a:ext>
+            </a:extLst>
+          </p:cNvPr>
+          <p:cNvCxnSpPr>
+            <a:cxnSpLocks/>
+          </p:cNvCxnSpPr>
+          <p:nvPr/>
+        </p:nvCxnSpPr>
+        <p:spPr>
+          <a:xfrm>
+            <a:off x="6090920" y="1664333"/>
+            <a:ext cx="187960" cy="958217"/>
+          </a:xfrm>
+          <a:prstGeom prst="straightConnector1">
+            <a:avLst/>
+          </a:prstGeom>
+          <a:ln w="111125">
+            <a:solidFill>
+              <a:schemeClr val="bg1">
+                <a:lumMod val="50000"/>
+              </a:schemeClr>
+            </a:solidFill>
+            <a:prstDash val="sysDot"/>
+            <a:tailEnd type="triangle"/>
+          </a:ln>
+        </p:spPr>
+        <p:style>
+          <a:lnRef idx="1">
+            <a:schemeClr val="accent1"/>
+          </a:lnRef>
+          <a:fillRef idx="0">
+            <a:schemeClr val="accent1"/>
+          </a:fillRef>
+          <a:effectRef idx="0">
+            <a:schemeClr val="accent1"/>
+          </a:effectRef>
+          <a:fontRef idx="minor">
+            <a:schemeClr val="tx1"/>
+          </a:fontRef>
+        </p:style>
+      </p:cxnSp>
+      <p:sp>
+        <p:nvSpPr>
+          <p:cNvPr id="16" name="TextBox 15">
+            <a:extLst>
+              <a:ext uri="{FF2B5EF4-FFF2-40B4-BE49-F238E27FC236}">
+                <a16:creationId xmlns:a16="http://schemas.microsoft.com/office/drawing/2014/main" id="{9BA7C597-BBB4-36BF-C50B-ABFD51EF49DE}"/>
+              </a:ext>
+            </a:extLst>
+          </p:cNvPr>
+          <p:cNvSpPr txBox="1"/>
+          <p:nvPr/>
+        </p:nvSpPr>
+        <p:spPr>
+          <a:xfrm>
+            <a:off x="1104455" y="4712126"/>
+            <a:ext cx="877163" cy="369332"/>
+          </a:xfrm>
+          <a:prstGeom prst="rect">
+            <a:avLst/>
+          </a:prstGeom>
+          <a:noFill/>
+        </p:spPr>
+        <p:txBody>
+          <a:bodyPr wrap="none" rtlCol="0">
+            <a:spAutoFit/>
+          </a:bodyPr>
+          <a:lstStyle/>
+          <a:p>
+            <a:r>
+              <a:rPr lang="en-JP" dirty="0"/>
+              <a:t>ユーザ</a:t>
+            </a:r>
+          </a:p>
+        </p:txBody>
+      </p:sp>
+      <p:sp>
+        <p:nvSpPr>
+          <p:cNvPr id="17" name="TextBox 16">
+            <a:extLst>
+              <a:ext uri="{FF2B5EF4-FFF2-40B4-BE49-F238E27FC236}">
+                <a16:creationId xmlns:a16="http://schemas.microsoft.com/office/drawing/2014/main" id="{6F0C07D2-9854-540A-61E6-F405DA6AB226}"/>
+              </a:ext>
+            </a:extLst>
+          </p:cNvPr>
+          <p:cNvSpPr txBox="1"/>
+          <p:nvPr/>
+        </p:nvSpPr>
+        <p:spPr>
+          <a:xfrm>
+            <a:off x="2550300" y="1995269"/>
+            <a:ext cx="1104661" cy="646331"/>
+          </a:xfrm>
+          <a:prstGeom prst="rect">
+            <a:avLst/>
+          </a:prstGeom>
+          <a:noFill/>
+        </p:spPr>
+        <p:txBody>
+          <a:bodyPr wrap="none" rtlCol="0">
+            <a:spAutoFit/>
+          </a:bodyPr>
+          <a:lstStyle/>
+          <a:p>
+            <a:r>
+              <a:rPr lang="en-JP" dirty="0"/>
+              <a:t>Container</a:t>
+            </a:r>
+          </a:p>
+          <a:p>
+            <a:r>
+              <a:rPr lang="en-JP" dirty="0"/>
+              <a:t>Image</a:t>
+            </a:r>
+          </a:p>
+        </p:txBody>
+      </p:sp>
+      <p:sp>
+        <p:nvSpPr>
+          <p:cNvPr id="18" name="TextBox 17">
+            <a:extLst>
+              <a:ext uri="{FF2B5EF4-FFF2-40B4-BE49-F238E27FC236}">
+                <a16:creationId xmlns:a16="http://schemas.microsoft.com/office/drawing/2014/main" id="{84FDE8A0-FFF8-45DB-102B-2C6E768659D7}"/>
+              </a:ext>
+            </a:extLst>
+          </p:cNvPr>
+          <p:cNvSpPr txBox="1"/>
+          <p:nvPr/>
+        </p:nvSpPr>
+        <p:spPr>
+          <a:xfrm>
+            <a:off x="4209893" y="4342793"/>
+            <a:ext cx="968150" cy="369332"/>
+          </a:xfrm>
+          <a:prstGeom prst="rect">
+            <a:avLst/>
+          </a:prstGeom>
+          <a:noFill/>
+        </p:spPr>
+        <p:txBody>
+          <a:bodyPr wrap="none" rtlCol="0">
+            <a:spAutoFit/>
+          </a:bodyPr>
+          <a:lstStyle/>
+          <a:p>
+            <a:r>
+              <a:rPr lang="en-JP" dirty="0"/>
+              <a:t>Kubectrl</a:t>
+            </a:r>
+          </a:p>
+        </p:txBody>
+      </p:sp>
+      <p:sp>
+        <p:nvSpPr>
+          <p:cNvPr id="19" name="Vertical Scroll 18">
+            <a:extLst>
+              <a:ext uri="{FF2B5EF4-FFF2-40B4-BE49-F238E27FC236}">
+                <a16:creationId xmlns:a16="http://schemas.microsoft.com/office/drawing/2014/main" id="{C6663F73-CB2C-9B85-BFC5-431FD2AD9048}"/>
+              </a:ext>
+            </a:extLst>
+          </p:cNvPr>
+          <p:cNvSpPr/>
+          <p:nvPr/>
+        </p:nvSpPr>
+        <p:spPr>
+          <a:xfrm>
+            <a:off x="2649130" y="4628560"/>
+            <a:ext cx="935923" cy="875595"/>
+          </a:xfrm>
+          <a:prstGeom prst="verticalScroll">
+            <a:avLst/>
+          </a:prstGeom>
+          <a:noFill/>
+        </p:spPr>
+        <p:style>
+          <a:lnRef idx="2">
+            <a:schemeClr val="accent1">
+              <a:shade val="15000"/>
+            </a:schemeClr>
+          </a:lnRef>
+          <a:fillRef idx="1">
+            <a:schemeClr val="accent1"/>
+          </a:fillRef>
+          <a:effectRef idx="0">
+            <a:schemeClr val="accent1"/>
+          </a:effectRef>
+          <a:fontRef idx="minor">
+            <a:schemeClr val="lt1"/>
+          </a:fontRef>
+        </p:style>
+        <p:txBody>
+          <a:bodyPr rtlCol="0" anchor="ctr"/>
+          <a:lstStyle/>
+          <a:p>
+            <a:pPr algn="ctr"/>
+            <a:endParaRPr lang="en-JP"/>
+          </a:p>
+        </p:txBody>
+      </p:sp>
+      <p:sp>
+        <p:nvSpPr>
+          <p:cNvPr id="20" name="TextBox 19">
+            <a:extLst>
+              <a:ext uri="{FF2B5EF4-FFF2-40B4-BE49-F238E27FC236}">
+                <a16:creationId xmlns:a16="http://schemas.microsoft.com/office/drawing/2014/main" id="{03912FB3-30D8-A9FF-0CAC-F3C6591E8777}"/>
+              </a:ext>
+            </a:extLst>
+          </p:cNvPr>
+          <p:cNvSpPr txBox="1"/>
+          <p:nvPr/>
+        </p:nvSpPr>
+        <p:spPr>
+          <a:xfrm>
+            <a:off x="2826494" y="4773042"/>
+            <a:ext cx="686150" cy="646331"/>
+          </a:xfrm>
+          <a:prstGeom prst="rect">
+            <a:avLst/>
+          </a:prstGeom>
+          <a:noFill/>
+        </p:spPr>
+        <p:txBody>
+          <a:bodyPr wrap="none" rtlCol="0">
+            <a:spAutoFit/>
+          </a:bodyPr>
+          <a:lstStyle/>
+          <a:p>
+            <a:r>
+              <a:rPr lang="en-US" dirty="0"/>
+              <a:t>y</a:t>
+            </a:r>
+            <a:r>
+              <a:rPr lang="en-JP" dirty="0"/>
+              <a:t>aml </a:t>
+            </a:r>
+          </a:p>
+          <a:p>
+            <a:r>
+              <a:rPr lang="en-JP" dirty="0"/>
+              <a:t>file</a:t>
+            </a:r>
+          </a:p>
+        </p:txBody>
+      </p:sp>
+    </p:spTree>
+    <p:extLst>
+      <p:ext uri="{BB962C8B-B14F-4D97-AF65-F5344CB8AC3E}">
+        <p14:creationId xmlns:p14="http://schemas.microsoft.com/office/powerpoint/2010/main" val="2264773670"/>
+      </p:ext>
+    </p:extLst>
+  </p:cSld>
+  <p:clrMapOvr>
+    <a:masterClrMapping/>
+  </p:clrMapOvr>
+</p:sld>
+</file>
+
+<file path=ppt/slides/slide18.xml><?xml version="1.0" encoding="utf-8"?>
+<p:sld xmlns:a="http://schemas.openxmlformats.org/drawingml/2006/main" xmlns:r="http://schemas.openxmlformats.org/officeDocument/2006/relationships" xmlns:p="http://schemas.openxmlformats.org/presentationml/2006/main">
+  <p:cSld>
+    <p:spTree>
+      <p:nvGrpSpPr>
+        <p:cNvPr id="1" name=""/>
+        <p:cNvGrpSpPr/>
+        <p:nvPr/>
+      </p:nvGrpSpPr>
+      <p:grpSpPr>
+        <a:xfrm>
+          <a:off x="0" y="0"/>
+          <a:ext cx="0" cy="0"/>
+          <a:chOff x="0" y="0"/>
+          <a:chExt cx="0" cy="0"/>
+        </a:xfrm>
+      </p:grpSpPr>
       <p:pic>
         <p:nvPicPr>
           <p:cNvPr id="5" name="内容占位符 4" descr="图标&#10;&#10;描述已自动生成">
